--- a/Presentation/Team Project.pptx
+++ b/Presentation/Team Project.pptx
@@ -9,12 +9,15 @@
     <p:sldId id="257" r:id="rId3"/>
     <p:sldId id="258" r:id="rId4"/>
     <p:sldId id="259" r:id="rId5"/>
-    <p:sldId id="260" r:id="rId6"/>
-    <p:sldId id="261" r:id="rId7"/>
-    <p:sldId id="262" r:id="rId8"/>
-    <p:sldId id="263" r:id="rId9"/>
-    <p:sldId id="264" r:id="rId10"/>
-    <p:sldId id="265" r:id="rId11"/>
+    <p:sldId id="261" r:id="rId6"/>
+    <p:sldId id="262" r:id="rId7"/>
+    <p:sldId id="266" r:id="rId8"/>
+    <p:sldId id="267" r:id="rId9"/>
+    <p:sldId id="268" r:id="rId10"/>
+    <p:sldId id="269" r:id="rId11"/>
+    <p:sldId id="263" r:id="rId12"/>
+    <p:sldId id="264" r:id="rId13"/>
+    <p:sldId id="265" r:id="rId14"/>
   </p:sldIdLst>
   <p:sldSz cx="9144000" cy="6858000" type="screen4x3"/>
   <p:notesSz cx="6858000" cy="9144000"/>
@@ -113,6 +116,22 @@
       </a:defRPr>
     </a:lvl9pPr>
   </p:defaultTextStyle>
+  <p:extLst>
+    <p:ext uri="{EFAFB233-063F-42B5-8137-9DF3F51BA10A}">
+      <p15:sldGuideLst xmlns:p15="http://schemas.microsoft.com/office/powerpoint/2012/main">
+        <p15:guide id="1" orient="horz" pos="2160">
+          <p15:clr>
+            <a:srgbClr val="A4A3A4"/>
+          </p15:clr>
+        </p15:guide>
+        <p15:guide id="2" pos="2880">
+          <p15:clr>
+            <a:srgbClr val="A4A3A4"/>
+          </p15:clr>
+        </p15:guide>
+      </p15:sldGuideLst>
+    </p:ext>
+  </p:extLst>
 </p:presentation>
 </file>
 
@@ -196,9 +215,7 @@
         </p:style>
         <p:txBody>
           <a:bodyPr anchor="ctr"/>
-          <a:lstStyle>
-            <a:extLst/>
-          </a:lstStyle>
+          <a:lstStyle/>
           <a:p>
             <a:pPr algn="ctr" eaLnBrk="1" latinLnBrk="0" hangingPunct="1"/>
             <a:endParaRPr kumimoji="0" lang="en-US"/>
@@ -251,10 +268,9 @@
           </a:lstStyle>
           <a:p>
             <a:r>
-              <a:rPr kumimoji="0" lang="en-US" smtClean="0"/>
+              <a:rPr kumimoji="0" lang="en-US"/>
               <a:t>Click to edit Master title style</a:t>
             </a:r>
-            <a:endParaRPr kumimoji="0" lang="en-US"/>
           </a:p>
         </p:txBody>
       </p:sp>
@@ -313,10 +329,9 @@
           </a:lstStyle>
           <a:p>
             <a:r>
-              <a:rPr kumimoji="0" lang="en-US" smtClean="0"/>
+              <a:rPr kumimoji="0" lang="en-US"/>
               <a:t>Click to edit Master subtitle style</a:t>
             </a:r>
-            <a:endParaRPr kumimoji="0" lang="en-US"/>
           </a:p>
         </p:txBody>
       </p:sp>
@@ -411,9 +426,7 @@
           </p:spPr>
           <p:txBody>
             <a:bodyPr vert="horz" wrap="square" lIns="91440" tIns="45720" rIns="91440" bIns="45720" anchor="t" compatLnSpc="1"/>
-            <a:lstStyle>
-              <a:extLst/>
-            </a:lstStyle>
+            <a:lstStyle/>
             <a:p>
               <a:endParaRPr kumimoji="0" lang="en-US"/>
             </a:p>
@@ -493,9 +506,7 @@
           </p:spPr>
           <p:txBody>
             <a:bodyPr vert="horz" wrap="square" lIns="91440" tIns="45720" rIns="91440" bIns="45720" anchor="t" compatLnSpc="1"/>
-            <a:lstStyle>
-              <a:extLst/>
-            </a:lstStyle>
+            <a:lstStyle/>
             <a:p>
               <a:endParaRPr kumimoji="0" lang="en-US"/>
             </a:p>
@@ -652,9 +663,7 @@
           </p:style>
           <p:txBody>
             <a:bodyPr vert="horz" wrap="square" lIns="91440" tIns="45720" rIns="91440" bIns="45720" anchor="ctr" compatLnSpc="1"/>
-            <a:lstStyle>
-              <a:extLst/>
-            </a:lstStyle>
+            <a:lstStyle/>
             <a:p>
               <a:pPr algn="ctr" eaLnBrk="1" latinLnBrk="0" hangingPunct="1"/>
               <a:endParaRPr kumimoji="0" lang="en-US"/>
@@ -741,7 +750,7 @@
           <a:p>
             <a:fld id="{E6E105BB-4CBD-4D49-87AE-F4338F19186E}" type="datetimeFigureOut">
               <a:rPr lang="de-AT" smtClean="0"/>
-              <a:t>25.05.2021</a:t>
+              <a:t>26.05.2021</a:t>
             </a:fld>
             <a:endParaRPr lang="de-AT"/>
           </a:p>
@@ -803,7 +812,7 @@
           <a:p>
             <a:fld id="{21D42077-43FA-4EEB-B205-55F09D978688}" type="slidenum">
               <a:rPr lang="de-AT" smtClean="0"/>
-              <a:t>‹#›</a:t>
+              <a:t>‹Nr.›</a:t>
             </a:fld>
             <a:endParaRPr lang="de-AT"/>
           </a:p>
@@ -847,15 +856,12 @@
         <p:spPr/>
         <p:txBody>
           <a:bodyPr/>
-          <a:lstStyle>
-            <a:extLst/>
-          </a:lstStyle>
-          <a:p>
-            <a:r>
-              <a:rPr kumimoji="0" lang="en-US" smtClean="0"/>
+          <a:lstStyle/>
+          <a:p>
+            <a:r>
+              <a:rPr kumimoji="0" lang="en-US"/>
               <a:t>Click to edit Master title style</a:t>
             </a:r>
-            <a:endParaRPr kumimoji="0" lang="en-US"/>
           </a:p>
         </p:txBody>
       </p:sp>
@@ -877,41 +883,39 @@
         </p:spPr>
         <p:txBody>
           <a:bodyPr vert="eaVert"/>
-          <a:lstStyle>
-            <a:extLst/>
-          </a:lstStyle>
+          <a:lstStyle/>
           <a:p>
             <a:pPr lvl="0" eaLnBrk="1" latinLnBrk="0" hangingPunct="1"/>
             <a:r>
-              <a:rPr lang="en-US" smtClean="0"/>
+              <a:rPr lang="en-US"/>
               <a:t>Click to edit Master text styles</a:t>
             </a:r>
           </a:p>
           <a:p>
             <a:pPr lvl="1" eaLnBrk="1" latinLnBrk="0" hangingPunct="1"/>
             <a:r>
-              <a:rPr lang="en-US" smtClean="0"/>
+              <a:rPr lang="en-US"/>
               <a:t>Second level</a:t>
             </a:r>
           </a:p>
           <a:p>
             <a:pPr lvl="2" eaLnBrk="1" latinLnBrk="0" hangingPunct="1"/>
             <a:r>
-              <a:rPr lang="en-US" smtClean="0"/>
+              <a:rPr lang="en-US"/>
               <a:t>Third level</a:t>
             </a:r>
           </a:p>
           <a:p>
             <a:pPr lvl="3" eaLnBrk="1" latinLnBrk="0" hangingPunct="1"/>
             <a:r>
-              <a:rPr lang="en-US" smtClean="0"/>
+              <a:rPr lang="en-US"/>
               <a:t>Fourth level</a:t>
             </a:r>
           </a:p>
           <a:p>
             <a:pPr lvl="4" eaLnBrk="1" latinLnBrk="0" hangingPunct="1"/>
             <a:r>
-              <a:rPr lang="en-US" smtClean="0"/>
+              <a:rPr lang="en-US"/>
               <a:t>Fifth level</a:t>
             </a:r>
             <a:endParaRPr kumimoji="0" lang="en-US"/>
@@ -931,13 +935,11 @@
         <p:spPr/>
         <p:txBody>
           <a:bodyPr/>
-          <a:lstStyle>
-            <a:extLst/>
-          </a:lstStyle>
+          <a:lstStyle/>
           <a:p>
             <a:fld id="{E6E105BB-4CBD-4D49-87AE-F4338F19186E}" type="datetimeFigureOut">
               <a:rPr lang="de-AT" smtClean="0"/>
-              <a:t>25.05.2021</a:t>
+              <a:t>26.05.2021</a:t>
             </a:fld>
             <a:endParaRPr lang="de-AT"/>
           </a:p>
@@ -956,9 +958,7 @@
         <p:spPr/>
         <p:txBody>
           <a:bodyPr/>
-          <a:lstStyle>
-            <a:extLst/>
-          </a:lstStyle>
+          <a:lstStyle/>
           <a:p>
             <a:endParaRPr lang="de-AT"/>
           </a:p>
@@ -977,13 +977,11 @@
         <p:spPr/>
         <p:txBody>
           <a:bodyPr/>
-          <a:lstStyle>
-            <a:extLst/>
-          </a:lstStyle>
+          <a:lstStyle/>
           <a:p>
             <a:fld id="{21D42077-43FA-4EEB-B205-55F09D978688}" type="slidenum">
               <a:rPr lang="de-AT" smtClean="0"/>
-              <a:t>‹#›</a:t>
+              <a:t>‹Nr.›</a:t>
             </a:fld>
             <a:endParaRPr lang="de-AT"/>
           </a:p>
@@ -1032,15 +1030,12 @@
         </p:spPr>
         <p:txBody>
           <a:bodyPr vert="eaVert"/>
-          <a:lstStyle>
-            <a:extLst/>
-          </a:lstStyle>
-          <a:p>
-            <a:r>
-              <a:rPr kumimoji="0" lang="en-US" smtClean="0"/>
+          <a:lstStyle/>
+          <a:p>
+            <a:r>
+              <a:rPr kumimoji="0" lang="en-US"/>
               <a:t>Click to edit Master title style</a:t>
             </a:r>
-            <a:endParaRPr kumimoji="0" lang="en-US"/>
           </a:p>
         </p:txBody>
       </p:sp>
@@ -1062,41 +1057,39 @@
         </p:spPr>
         <p:txBody>
           <a:bodyPr vert="eaVert"/>
-          <a:lstStyle>
-            <a:extLst/>
-          </a:lstStyle>
+          <a:lstStyle/>
           <a:p>
             <a:pPr lvl="0" eaLnBrk="1" latinLnBrk="0" hangingPunct="1"/>
             <a:r>
-              <a:rPr lang="en-US" smtClean="0"/>
+              <a:rPr lang="en-US"/>
               <a:t>Click to edit Master text styles</a:t>
             </a:r>
           </a:p>
           <a:p>
             <a:pPr lvl="1" eaLnBrk="1" latinLnBrk="0" hangingPunct="1"/>
             <a:r>
-              <a:rPr lang="en-US" smtClean="0"/>
+              <a:rPr lang="en-US"/>
               <a:t>Second level</a:t>
             </a:r>
           </a:p>
           <a:p>
             <a:pPr lvl="2" eaLnBrk="1" latinLnBrk="0" hangingPunct="1"/>
             <a:r>
-              <a:rPr lang="en-US" smtClean="0"/>
+              <a:rPr lang="en-US"/>
               <a:t>Third level</a:t>
             </a:r>
           </a:p>
           <a:p>
             <a:pPr lvl="3" eaLnBrk="1" latinLnBrk="0" hangingPunct="1"/>
             <a:r>
-              <a:rPr lang="en-US" smtClean="0"/>
+              <a:rPr lang="en-US"/>
               <a:t>Fourth level</a:t>
             </a:r>
           </a:p>
           <a:p>
             <a:pPr lvl="4" eaLnBrk="1" latinLnBrk="0" hangingPunct="1"/>
             <a:r>
-              <a:rPr lang="en-US" smtClean="0"/>
+              <a:rPr lang="en-US"/>
               <a:t>Fifth level</a:t>
             </a:r>
             <a:endParaRPr kumimoji="0" lang="en-US"/>
@@ -1116,13 +1109,11 @@
         <p:spPr/>
         <p:txBody>
           <a:bodyPr/>
-          <a:lstStyle>
-            <a:extLst/>
-          </a:lstStyle>
+          <a:lstStyle/>
           <a:p>
             <a:fld id="{E6E105BB-4CBD-4D49-87AE-F4338F19186E}" type="datetimeFigureOut">
               <a:rPr lang="de-AT" smtClean="0"/>
-              <a:t>25.05.2021</a:t>
+              <a:t>26.05.2021</a:t>
             </a:fld>
             <a:endParaRPr lang="de-AT"/>
           </a:p>
@@ -1141,9 +1132,7 @@
         <p:spPr/>
         <p:txBody>
           <a:bodyPr/>
-          <a:lstStyle>
-            <a:extLst/>
-          </a:lstStyle>
+          <a:lstStyle/>
           <a:p>
             <a:endParaRPr lang="de-AT"/>
           </a:p>
@@ -1162,13 +1151,11 @@
         <p:spPr/>
         <p:txBody>
           <a:bodyPr/>
-          <a:lstStyle>
-            <a:extLst/>
-          </a:lstStyle>
+          <a:lstStyle/>
           <a:p>
             <a:fld id="{21D42077-43FA-4EEB-B205-55F09D978688}" type="slidenum">
               <a:rPr lang="de-AT" smtClean="0"/>
-              <a:t>‹#›</a:t>
+              <a:t>‹Nr.›</a:t>
             </a:fld>
             <a:endParaRPr lang="de-AT"/>
           </a:p>
@@ -1212,41 +1199,39 @@
         <p:spPr/>
         <p:txBody>
           <a:bodyPr/>
-          <a:lstStyle>
-            <a:extLst/>
-          </a:lstStyle>
+          <a:lstStyle/>
           <a:p>
             <a:pPr lvl="0" eaLnBrk="1" latinLnBrk="0" hangingPunct="1"/>
             <a:r>
-              <a:rPr lang="en-US" smtClean="0"/>
+              <a:rPr lang="en-US"/>
               <a:t>Click to edit Master text styles</a:t>
             </a:r>
           </a:p>
           <a:p>
             <a:pPr lvl="1" eaLnBrk="1" latinLnBrk="0" hangingPunct="1"/>
             <a:r>
-              <a:rPr lang="en-US" smtClean="0"/>
+              <a:rPr lang="en-US"/>
               <a:t>Second level</a:t>
             </a:r>
           </a:p>
           <a:p>
             <a:pPr lvl="2" eaLnBrk="1" latinLnBrk="0" hangingPunct="1"/>
             <a:r>
-              <a:rPr lang="en-US" smtClean="0"/>
+              <a:rPr lang="en-US"/>
               <a:t>Third level</a:t>
             </a:r>
           </a:p>
           <a:p>
             <a:pPr lvl="3" eaLnBrk="1" latinLnBrk="0" hangingPunct="1"/>
             <a:r>
-              <a:rPr lang="en-US" smtClean="0"/>
+              <a:rPr lang="en-US"/>
               <a:t>Fourth level</a:t>
             </a:r>
           </a:p>
           <a:p>
             <a:pPr lvl="4" eaLnBrk="1" latinLnBrk="0" hangingPunct="1"/>
             <a:r>
-              <a:rPr lang="en-US" smtClean="0"/>
+              <a:rPr lang="en-US"/>
               <a:t>Fifth level</a:t>
             </a:r>
             <a:endParaRPr kumimoji="0" lang="en-US"/>
@@ -1266,13 +1251,11 @@
         <p:spPr/>
         <p:txBody>
           <a:bodyPr/>
-          <a:lstStyle>
-            <a:extLst/>
-          </a:lstStyle>
+          <a:lstStyle/>
           <a:p>
             <a:fld id="{E6E105BB-4CBD-4D49-87AE-F4338F19186E}" type="datetimeFigureOut">
               <a:rPr lang="de-AT" smtClean="0"/>
-              <a:t>25.05.2021</a:t>
+              <a:t>26.05.2021</a:t>
             </a:fld>
             <a:endParaRPr lang="de-AT"/>
           </a:p>
@@ -1291,9 +1274,7 @@
         <p:spPr/>
         <p:txBody>
           <a:bodyPr/>
-          <a:lstStyle>
-            <a:extLst/>
-          </a:lstStyle>
+          <a:lstStyle/>
           <a:p>
             <a:endParaRPr lang="de-AT"/>
           </a:p>
@@ -1312,13 +1293,11 @@
         <p:spPr/>
         <p:txBody>
           <a:bodyPr/>
-          <a:lstStyle>
-            <a:extLst/>
-          </a:lstStyle>
+          <a:lstStyle/>
           <a:p>
             <a:fld id="{21D42077-43FA-4EEB-B205-55F09D978688}" type="slidenum">
               <a:rPr lang="de-AT" smtClean="0"/>
-              <a:t>‹#›</a:t>
+              <a:t>‹Nr.›</a:t>
             </a:fld>
             <a:endParaRPr lang="de-AT"/>
           </a:p>
@@ -1337,15 +1316,12 @@
         <p:spPr/>
         <p:txBody>
           <a:bodyPr rtlCol="0"/>
-          <a:lstStyle>
-            <a:extLst/>
-          </a:lstStyle>
-          <a:p>
-            <a:r>
-              <a:rPr kumimoji="0" lang="en-US" smtClean="0"/>
+          <a:lstStyle/>
+          <a:p>
+            <a:r>
+              <a:rPr kumimoji="0" lang="en-US"/>
               <a:t>Click to edit Master title style</a:t>
             </a:r>
-            <a:endParaRPr kumimoji="0" lang="en-US"/>
           </a:p>
         </p:txBody>
       </p:sp>
@@ -1423,10 +1399,9 @@
           </a:lstStyle>
           <a:p>
             <a:r>
-              <a:rPr kumimoji="0" lang="en-US" smtClean="0"/>
+              <a:rPr kumimoji="0" lang="en-US"/>
               <a:t>Click to edit Master title style</a:t>
             </a:r>
-            <a:endParaRPr kumimoji="0" lang="en-US"/>
           </a:p>
         </p:txBody>
       </p:sp>
@@ -1502,7 +1477,7 @@
           <a:p>
             <a:pPr lvl="0" eaLnBrk="1" latinLnBrk="0" hangingPunct="1"/>
             <a:r>
-              <a:rPr kumimoji="0" lang="en-US" smtClean="0"/>
+              <a:rPr kumimoji="0" lang="en-US"/>
               <a:t>Click to edit Master text styles</a:t>
             </a:r>
           </a:p>
@@ -1521,13 +1496,11 @@
         <p:spPr/>
         <p:txBody>
           <a:bodyPr/>
-          <a:lstStyle>
-            <a:extLst/>
-          </a:lstStyle>
+          <a:lstStyle/>
           <a:p>
             <a:fld id="{E6E105BB-4CBD-4D49-87AE-F4338F19186E}" type="datetimeFigureOut">
               <a:rPr lang="de-AT" smtClean="0"/>
-              <a:t>25.05.2021</a:t>
+              <a:t>26.05.2021</a:t>
             </a:fld>
             <a:endParaRPr lang="de-AT"/>
           </a:p>
@@ -1546,9 +1519,7 @@
         <p:spPr/>
         <p:txBody>
           <a:bodyPr/>
-          <a:lstStyle>
-            <a:extLst/>
-          </a:lstStyle>
+          <a:lstStyle/>
           <a:p>
             <a:endParaRPr lang="de-AT"/>
           </a:p>
@@ -1567,13 +1538,11 @@
         <p:spPr/>
         <p:txBody>
           <a:bodyPr/>
-          <a:lstStyle>
-            <a:extLst/>
-          </a:lstStyle>
+          <a:lstStyle/>
           <a:p>
             <a:fld id="{21D42077-43FA-4EEB-B205-55F09D978688}" type="slidenum">
               <a:rPr lang="de-AT" smtClean="0"/>
-              <a:t>‹#›</a:t>
+              <a:t>‹Nr.›</a:t>
             </a:fld>
             <a:endParaRPr lang="de-AT"/>
           </a:p>
@@ -1650,9 +1619,7 @@
         </p:style>
         <p:txBody>
           <a:bodyPr anchor="ctr"/>
-          <a:lstStyle>
-            <a:extLst/>
-          </a:lstStyle>
+          <a:lstStyle/>
           <a:p>
             <a:pPr algn="l" eaLnBrk="1" latinLnBrk="0" hangingPunct="1"/>
             <a:endParaRPr kumimoji="0" lang="en-US"/>
@@ -1730,9 +1697,7 @@
         </p:style>
         <p:txBody>
           <a:bodyPr anchor="ctr"/>
-          <a:lstStyle>
-            <a:extLst/>
-          </a:lstStyle>
+          <a:lstStyle/>
           <a:p>
             <a:pPr algn="l" eaLnBrk="1" latinLnBrk="0" hangingPunct="1"/>
             <a:endParaRPr kumimoji="0" lang="en-US"/>
@@ -1808,35 +1773,35 @@
           <a:p>
             <a:pPr lvl="0" eaLnBrk="1" latinLnBrk="0" hangingPunct="1"/>
             <a:r>
-              <a:rPr lang="en-US" smtClean="0"/>
+              <a:rPr lang="en-US"/>
               <a:t>Click to edit Master text styles</a:t>
             </a:r>
           </a:p>
           <a:p>
             <a:pPr lvl="1" eaLnBrk="1" latinLnBrk="0" hangingPunct="1"/>
             <a:r>
-              <a:rPr lang="en-US" smtClean="0"/>
+              <a:rPr lang="en-US"/>
               <a:t>Second level</a:t>
             </a:r>
           </a:p>
           <a:p>
             <a:pPr lvl="2" eaLnBrk="1" latinLnBrk="0" hangingPunct="1"/>
             <a:r>
-              <a:rPr lang="en-US" smtClean="0"/>
+              <a:rPr lang="en-US"/>
               <a:t>Third level</a:t>
             </a:r>
           </a:p>
           <a:p>
             <a:pPr lvl="3" eaLnBrk="1" latinLnBrk="0" hangingPunct="1"/>
             <a:r>
-              <a:rPr lang="en-US" smtClean="0"/>
+              <a:rPr lang="en-US"/>
               <a:t>Fourth level</a:t>
             </a:r>
           </a:p>
           <a:p>
             <a:pPr lvl="4" eaLnBrk="1" latinLnBrk="0" hangingPunct="1"/>
             <a:r>
-              <a:rPr lang="en-US" smtClean="0"/>
+              <a:rPr lang="en-US"/>
               <a:t>Fifth level</a:t>
             </a:r>
             <a:endParaRPr kumimoji="0" lang="en-US"/>
@@ -1882,35 +1847,35 @@
           <a:p>
             <a:pPr lvl="0" eaLnBrk="1" latinLnBrk="0" hangingPunct="1"/>
             <a:r>
-              <a:rPr lang="en-US" smtClean="0"/>
+              <a:rPr lang="en-US"/>
               <a:t>Click to edit Master text styles</a:t>
             </a:r>
           </a:p>
           <a:p>
             <a:pPr lvl="1" eaLnBrk="1" latinLnBrk="0" hangingPunct="1"/>
             <a:r>
-              <a:rPr lang="en-US" smtClean="0"/>
+              <a:rPr lang="en-US"/>
               <a:t>Second level</a:t>
             </a:r>
           </a:p>
           <a:p>
             <a:pPr lvl="2" eaLnBrk="1" latinLnBrk="0" hangingPunct="1"/>
             <a:r>
-              <a:rPr lang="en-US" smtClean="0"/>
+              <a:rPr lang="en-US"/>
               <a:t>Third level</a:t>
             </a:r>
           </a:p>
           <a:p>
             <a:pPr lvl="3" eaLnBrk="1" latinLnBrk="0" hangingPunct="1"/>
             <a:r>
-              <a:rPr lang="en-US" smtClean="0"/>
+              <a:rPr lang="en-US"/>
               <a:t>Fourth level</a:t>
             </a:r>
           </a:p>
           <a:p>
             <a:pPr lvl="4" eaLnBrk="1" latinLnBrk="0" hangingPunct="1"/>
             <a:r>
-              <a:rPr lang="en-US" smtClean="0"/>
+              <a:rPr lang="en-US"/>
               <a:t>Fifth level</a:t>
             </a:r>
             <a:endParaRPr kumimoji="0" lang="en-US"/>
@@ -1930,13 +1895,11 @@
         <p:spPr/>
         <p:txBody>
           <a:bodyPr/>
-          <a:lstStyle>
-            <a:extLst/>
-          </a:lstStyle>
+          <a:lstStyle/>
           <a:p>
             <a:fld id="{E6E105BB-4CBD-4D49-87AE-F4338F19186E}" type="datetimeFigureOut">
               <a:rPr lang="de-AT" smtClean="0"/>
-              <a:t>25.05.2021</a:t>
+              <a:t>26.05.2021</a:t>
             </a:fld>
             <a:endParaRPr lang="de-AT"/>
           </a:p>
@@ -1955,9 +1918,7 @@
         <p:spPr/>
         <p:txBody>
           <a:bodyPr/>
-          <a:lstStyle>
-            <a:extLst/>
-          </a:lstStyle>
+          <a:lstStyle/>
           <a:p>
             <a:endParaRPr lang="de-AT"/>
           </a:p>
@@ -1976,13 +1937,11 @@
         <p:spPr/>
         <p:txBody>
           <a:bodyPr/>
-          <a:lstStyle>
-            <a:extLst/>
-          </a:lstStyle>
+          <a:lstStyle/>
           <a:p>
             <a:fld id="{21D42077-43FA-4EEB-B205-55F09D978688}" type="slidenum">
               <a:rPr lang="de-AT" smtClean="0"/>
-              <a:t>‹#›</a:t>
+              <a:t>‹Nr.›</a:t>
             </a:fld>
             <a:endParaRPr lang="de-AT"/>
           </a:p>
@@ -2001,15 +1960,12 @@
         <p:spPr/>
         <p:txBody>
           <a:bodyPr rtlCol="0"/>
-          <a:lstStyle>
-            <a:extLst/>
-          </a:lstStyle>
-          <a:p>
-            <a:r>
-              <a:rPr kumimoji="0" lang="en-US" smtClean="0"/>
+          <a:lstStyle/>
+          <a:p>
+            <a:r>
+              <a:rPr kumimoji="0" lang="en-US"/>
               <a:t>Click to edit Master title style</a:t>
             </a:r>
-            <a:endParaRPr kumimoji="0" lang="en-US"/>
           </a:p>
         </p:txBody>
       </p:sp>
@@ -2069,10 +2025,9 @@
           </a:lstStyle>
           <a:p>
             <a:r>
-              <a:rPr kumimoji="0" lang="en-US" smtClean="0"/>
+              <a:rPr kumimoji="0" lang="en-US"/>
               <a:t>Click to edit Master title style</a:t>
             </a:r>
-            <a:endParaRPr kumimoji="0" lang="en-US"/>
           </a:p>
         </p:txBody>
       </p:sp>
@@ -2133,7 +2088,7 @@
           <a:p>
             <a:pPr lvl="0" eaLnBrk="1" latinLnBrk="0" hangingPunct="1"/>
             <a:r>
-              <a:rPr kumimoji="0" lang="en-US" smtClean="0"/>
+              <a:rPr kumimoji="0" lang="en-US"/>
               <a:t>Click to edit Master text styles</a:t>
             </a:r>
           </a:p>
@@ -2196,7 +2151,7 @@
           <a:p>
             <a:pPr lvl="0" eaLnBrk="1" latinLnBrk="0" hangingPunct="1"/>
             <a:r>
-              <a:rPr kumimoji="0" lang="en-US" smtClean="0"/>
+              <a:rPr kumimoji="0" lang="en-US"/>
               <a:t>Click to edit Master text styles</a:t>
             </a:r>
           </a:p>
@@ -2246,35 +2201,35 @@
           <a:p>
             <a:pPr lvl="0" eaLnBrk="1" latinLnBrk="0" hangingPunct="1"/>
             <a:r>
-              <a:rPr lang="en-US" smtClean="0"/>
+              <a:rPr lang="en-US"/>
               <a:t>Click to edit Master text styles</a:t>
             </a:r>
           </a:p>
           <a:p>
             <a:pPr lvl="1" eaLnBrk="1" latinLnBrk="0" hangingPunct="1"/>
             <a:r>
-              <a:rPr lang="en-US" smtClean="0"/>
+              <a:rPr lang="en-US"/>
               <a:t>Second level</a:t>
             </a:r>
           </a:p>
           <a:p>
             <a:pPr lvl="2" eaLnBrk="1" latinLnBrk="0" hangingPunct="1"/>
             <a:r>
-              <a:rPr lang="en-US" smtClean="0"/>
+              <a:rPr lang="en-US"/>
               <a:t>Third level</a:t>
             </a:r>
           </a:p>
           <a:p>
             <a:pPr lvl="3" eaLnBrk="1" latinLnBrk="0" hangingPunct="1"/>
             <a:r>
-              <a:rPr lang="en-US" smtClean="0"/>
+              <a:rPr lang="en-US"/>
               <a:t>Fourth level</a:t>
             </a:r>
           </a:p>
           <a:p>
             <a:pPr lvl="4" eaLnBrk="1" latinLnBrk="0" hangingPunct="1"/>
             <a:r>
-              <a:rPr lang="en-US" smtClean="0"/>
+              <a:rPr lang="en-US"/>
               <a:t>Fifth level</a:t>
             </a:r>
             <a:endParaRPr kumimoji="0" lang="en-US"/>
@@ -2328,35 +2283,35 @@
           <a:p>
             <a:pPr lvl="0" eaLnBrk="1" latinLnBrk="0" hangingPunct="1"/>
             <a:r>
-              <a:rPr lang="en-US" smtClean="0"/>
+              <a:rPr lang="en-US"/>
               <a:t>Click to edit Master text styles</a:t>
             </a:r>
           </a:p>
           <a:p>
             <a:pPr lvl="1" eaLnBrk="1" latinLnBrk="0" hangingPunct="1"/>
             <a:r>
-              <a:rPr lang="en-US" smtClean="0"/>
+              <a:rPr lang="en-US"/>
               <a:t>Second level</a:t>
             </a:r>
           </a:p>
           <a:p>
             <a:pPr lvl="2" eaLnBrk="1" latinLnBrk="0" hangingPunct="1"/>
             <a:r>
-              <a:rPr lang="en-US" smtClean="0"/>
+              <a:rPr lang="en-US"/>
               <a:t>Third level</a:t>
             </a:r>
           </a:p>
           <a:p>
             <a:pPr lvl="3" eaLnBrk="1" latinLnBrk="0" hangingPunct="1"/>
             <a:r>
-              <a:rPr lang="en-US" smtClean="0"/>
+              <a:rPr lang="en-US"/>
               <a:t>Fourth level</a:t>
             </a:r>
           </a:p>
           <a:p>
             <a:pPr lvl="4" eaLnBrk="1" latinLnBrk="0" hangingPunct="1"/>
             <a:r>
-              <a:rPr lang="en-US" smtClean="0"/>
+              <a:rPr lang="en-US"/>
               <a:t>Fifth level</a:t>
             </a:r>
             <a:endParaRPr kumimoji="0" lang="en-US"/>
@@ -2376,13 +2331,11 @@
         <p:spPr/>
         <p:txBody>
           <a:bodyPr/>
-          <a:lstStyle>
-            <a:extLst/>
-          </a:lstStyle>
+          <a:lstStyle/>
           <a:p>
             <a:fld id="{E6E105BB-4CBD-4D49-87AE-F4338F19186E}" type="datetimeFigureOut">
               <a:rPr lang="de-AT" smtClean="0"/>
-              <a:t>25.05.2021</a:t>
+              <a:t>26.05.2021</a:t>
             </a:fld>
             <a:endParaRPr lang="de-AT"/>
           </a:p>
@@ -2401,9 +2354,7 @@
         <p:spPr/>
         <p:txBody>
           <a:bodyPr/>
-          <a:lstStyle>
-            <a:extLst/>
-          </a:lstStyle>
+          <a:lstStyle/>
           <a:p>
             <a:endParaRPr lang="de-AT"/>
           </a:p>
@@ -2422,13 +2373,11 @@
         <p:spPr/>
         <p:txBody>
           <a:bodyPr/>
-          <a:lstStyle>
-            <a:extLst/>
-          </a:lstStyle>
+          <a:lstStyle/>
           <a:p>
             <a:fld id="{21D42077-43FA-4EEB-B205-55F09D978688}" type="slidenum">
               <a:rPr lang="de-AT" smtClean="0"/>
-              <a:t>‹#›</a:t>
+              <a:t>‹Nr.›</a:t>
             </a:fld>
             <a:endParaRPr lang="de-AT"/>
           </a:p>
@@ -2477,13 +2426,11 @@
         <p:spPr/>
         <p:txBody>
           <a:bodyPr/>
-          <a:lstStyle>
-            <a:extLst/>
-          </a:lstStyle>
+          <a:lstStyle/>
           <a:p>
             <a:fld id="{E6E105BB-4CBD-4D49-87AE-F4338F19186E}" type="datetimeFigureOut">
               <a:rPr lang="de-AT" smtClean="0"/>
-              <a:t>25.05.2021</a:t>
+              <a:t>26.05.2021</a:t>
             </a:fld>
             <a:endParaRPr lang="de-AT"/>
           </a:p>
@@ -2502,9 +2449,7 @@
         <p:spPr/>
         <p:txBody>
           <a:bodyPr/>
-          <a:lstStyle>
-            <a:extLst/>
-          </a:lstStyle>
+          <a:lstStyle/>
           <a:p>
             <a:endParaRPr lang="de-AT"/>
           </a:p>
@@ -2523,13 +2468,11 @@
         <p:spPr/>
         <p:txBody>
           <a:bodyPr/>
-          <a:lstStyle>
-            <a:extLst/>
-          </a:lstStyle>
+          <a:lstStyle/>
           <a:p>
             <a:fld id="{21D42077-43FA-4EEB-B205-55F09D978688}" type="slidenum">
               <a:rPr lang="de-AT" smtClean="0"/>
-              <a:t>‹#›</a:t>
+              <a:t>‹Nr.›</a:t>
             </a:fld>
             <a:endParaRPr lang="de-AT"/>
           </a:p>
@@ -2548,15 +2491,12 @@
         <p:spPr/>
         <p:txBody>
           <a:bodyPr rtlCol="0"/>
-          <a:lstStyle>
-            <a:extLst/>
-          </a:lstStyle>
-          <a:p>
-            <a:r>
-              <a:rPr kumimoji="0" lang="en-US" smtClean="0"/>
+          <a:lstStyle/>
+          <a:p>
+            <a:r>
+              <a:rPr kumimoji="0" lang="en-US"/>
               <a:t>Click to edit Master title style</a:t>
             </a:r>
-            <a:endParaRPr kumimoji="0" lang="en-US"/>
           </a:p>
         </p:txBody>
       </p:sp>
@@ -2598,13 +2538,11 @@
         <p:spPr/>
         <p:txBody>
           <a:bodyPr/>
-          <a:lstStyle>
-            <a:extLst/>
-          </a:lstStyle>
+          <a:lstStyle/>
           <a:p>
             <a:fld id="{E6E105BB-4CBD-4D49-87AE-F4338F19186E}" type="datetimeFigureOut">
               <a:rPr lang="de-AT" smtClean="0"/>
-              <a:t>25.05.2021</a:t>
+              <a:t>26.05.2021</a:t>
             </a:fld>
             <a:endParaRPr lang="de-AT"/>
           </a:p>
@@ -2623,9 +2561,7 @@
         <p:spPr/>
         <p:txBody>
           <a:bodyPr/>
-          <a:lstStyle>
-            <a:extLst/>
-          </a:lstStyle>
+          <a:lstStyle/>
           <a:p>
             <a:endParaRPr lang="de-AT"/>
           </a:p>
@@ -2644,13 +2580,11 @@
         <p:spPr/>
         <p:txBody>
           <a:bodyPr/>
-          <a:lstStyle>
-            <a:extLst/>
-          </a:lstStyle>
+          <a:lstStyle/>
           <a:p>
             <a:fld id="{21D42077-43FA-4EEB-B205-55F09D978688}" type="slidenum">
               <a:rPr lang="de-AT" smtClean="0"/>
-              <a:t>‹#›</a:t>
+              <a:t>‹Nr.›</a:t>
             </a:fld>
             <a:endParaRPr lang="de-AT"/>
           </a:p>
@@ -2723,10 +2657,9 @@
           </a:lstStyle>
           <a:p>
             <a:r>
-              <a:rPr kumimoji="0" lang="en-US" smtClean="0"/>
+              <a:rPr kumimoji="0" lang="en-US"/>
               <a:t>Click to edit Master title style</a:t>
             </a:r>
-            <a:endParaRPr kumimoji="0" lang="en-US"/>
           </a:p>
         </p:txBody>
       </p:sp>
@@ -2774,7 +2707,7 @@
           <a:p>
             <a:pPr lvl="0" eaLnBrk="1" latinLnBrk="0" hangingPunct="1"/>
             <a:r>
-              <a:rPr kumimoji="0" lang="en-US" smtClean="0"/>
+              <a:rPr kumimoji="0" lang="en-US"/>
               <a:t>Click to edit Master text styles</a:t>
             </a:r>
           </a:p>
@@ -2819,35 +2752,35 @@
           <a:p>
             <a:pPr lvl="0" eaLnBrk="1" latinLnBrk="0" hangingPunct="1"/>
             <a:r>
-              <a:rPr lang="en-US" smtClean="0"/>
+              <a:rPr lang="en-US"/>
               <a:t>Click to edit Master text styles</a:t>
             </a:r>
           </a:p>
           <a:p>
             <a:pPr lvl="1" eaLnBrk="1" latinLnBrk="0" hangingPunct="1"/>
             <a:r>
-              <a:rPr lang="en-US" smtClean="0"/>
+              <a:rPr lang="en-US"/>
               <a:t>Second level</a:t>
             </a:r>
           </a:p>
           <a:p>
             <a:pPr lvl="2" eaLnBrk="1" latinLnBrk="0" hangingPunct="1"/>
             <a:r>
-              <a:rPr lang="en-US" smtClean="0"/>
+              <a:rPr lang="en-US"/>
               <a:t>Third level</a:t>
             </a:r>
           </a:p>
           <a:p>
             <a:pPr lvl="3" eaLnBrk="1" latinLnBrk="0" hangingPunct="1"/>
             <a:r>
-              <a:rPr lang="en-US" smtClean="0"/>
+              <a:rPr lang="en-US"/>
               <a:t>Fourth level</a:t>
             </a:r>
           </a:p>
           <a:p>
             <a:pPr lvl="4" eaLnBrk="1" latinLnBrk="0" hangingPunct="1"/>
             <a:r>
-              <a:rPr lang="en-US" smtClean="0"/>
+              <a:rPr lang="en-US"/>
               <a:t>Fifth level</a:t>
             </a:r>
             <a:endParaRPr kumimoji="0" lang="en-US"/>
@@ -2872,13 +2805,11 @@
         </p:spPr>
         <p:txBody>
           <a:bodyPr/>
-          <a:lstStyle>
-            <a:extLst/>
-          </a:lstStyle>
+          <a:lstStyle/>
           <a:p>
             <a:fld id="{E6E105BB-4CBD-4D49-87AE-F4338F19186E}" type="datetimeFigureOut">
               <a:rPr lang="de-AT" smtClean="0"/>
-              <a:t>25.05.2021</a:t>
+              <a:t>26.05.2021</a:t>
             </a:fld>
             <a:endParaRPr lang="de-AT"/>
           </a:p>
@@ -2897,9 +2828,7 @@
         <p:spPr/>
         <p:txBody>
           <a:bodyPr/>
-          <a:lstStyle>
-            <a:extLst/>
-          </a:lstStyle>
+          <a:lstStyle/>
           <a:p>
             <a:endParaRPr lang="de-AT"/>
           </a:p>
@@ -2918,13 +2847,11 @@
         <p:spPr/>
         <p:txBody>
           <a:bodyPr/>
-          <a:lstStyle>
-            <a:extLst/>
-          </a:lstStyle>
+          <a:lstStyle/>
           <a:p>
             <a:fld id="{21D42077-43FA-4EEB-B205-55F09D978688}" type="slidenum">
               <a:rPr lang="de-AT" smtClean="0"/>
-              <a:t>‹#›</a:t>
+              <a:t>‹Nr.›</a:t>
             </a:fld>
             <a:endParaRPr lang="de-AT"/>
           </a:p>
@@ -3001,7 +2928,7 @@
           <a:p>
             <a:pPr lvl="0" eaLnBrk="1" latinLnBrk="0" hangingPunct="1"/>
             <a:r>
-              <a:rPr kumimoji="0" lang="en-US" smtClean="0"/>
+              <a:rPr kumimoji="0" lang="en-US"/>
               <a:t>Click to edit Master text styles</a:t>
             </a:r>
           </a:p>
@@ -3050,7 +2977,7 @@
           </a:lstStyle>
           <a:p>
             <a:r>
-              <a:rPr kumimoji="0" lang="en-US" smtClean="0"/>
+              <a:rPr kumimoji="0" lang="en-US"/>
               <a:t>Click icon to add picture</a:t>
             </a:r>
             <a:endParaRPr kumimoji="0" lang="en-US" dirty="0"/>
@@ -3083,7 +3010,7 @@
           <a:p>
             <a:fld id="{E6E105BB-4CBD-4D49-87AE-F4338F19186E}" type="datetimeFigureOut">
               <a:rPr lang="de-AT" smtClean="0"/>
-              <a:t>25.05.2021</a:t>
+              <a:t>26.05.2021</a:t>
             </a:fld>
             <a:endParaRPr lang="de-AT"/>
           </a:p>
@@ -3148,7 +3075,7 @@
           <a:p>
             <a:fld id="{21D42077-43FA-4EEB-B205-55F09D978688}" type="slidenum">
               <a:rPr lang="de-AT" smtClean="0"/>
-              <a:t>‹#›</a:t>
+              <a:t>‹Nr.›</a:t>
             </a:fld>
             <a:endParaRPr lang="de-AT"/>
           </a:p>
@@ -3195,10 +3122,9 @@
           </a:lstStyle>
           <a:p>
             <a:r>
-              <a:rPr kumimoji="0" lang="en-US" smtClean="0"/>
+              <a:rPr kumimoji="0" lang="en-US"/>
               <a:t>Click to edit Master title style</a:t>
             </a:r>
-            <a:endParaRPr kumimoji="0" lang="en-US"/>
           </a:p>
         </p:txBody>
       </p:sp>
@@ -3278,9 +3204,7 @@
         </p:spPr>
         <p:txBody>
           <a:bodyPr vert="horz" wrap="square" lIns="91440" tIns="45720" rIns="91440" bIns="45720" anchor="t" compatLnSpc="1"/>
-          <a:lstStyle>
-            <a:extLst/>
-          </a:lstStyle>
+          <a:lstStyle/>
           <a:p>
             <a:endParaRPr kumimoji="0" lang="en-US"/>
           </a:p>
@@ -3360,9 +3284,7 @@
         </p:spPr>
         <p:txBody>
           <a:bodyPr vert="horz" wrap="square" lIns="91440" tIns="45720" rIns="91440" bIns="45720" anchor="t" compatLnSpc="1"/>
-          <a:lstStyle>
-            <a:extLst/>
-          </a:lstStyle>
+          <a:lstStyle/>
           <a:p>
             <a:endParaRPr kumimoji="0" lang="en-US"/>
           </a:p>
@@ -3470,9 +3392,7 @@
         </p:style>
         <p:txBody>
           <a:bodyPr vert="horz" wrap="square" lIns="91440" tIns="45720" rIns="91440" bIns="45720" anchor="ctr" compatLnSpc="1"/>
-          <a:lstStyle>
-            <a:extLst/>
-          </a:lstStyle>
+          <a:lstStyle/>
           <a:p>
             <a:pPr algn="ctr" eaLnBrk="1" latinLnBrk="0" hangingPunct="1"/>
             <a:endParaRPr kumimoji="0" lang="en-US"/>
@@ -3603,9 +3523,7 @@
         </p:style>
         <p:txBody>
           <a:bodyPr anchor="ctr"/>
-          <a:lstStyle>
-            <a:extLst/>
-          </a:lstStyle>
+          <a:lstStyle/>
           <a:p>
             <a:pPr algn="l" eaLnBrk="1" latinLnBrk="0" hangingPunct="1"/>
             <a:endParaRPr kumimoji="0" lang="en-US"/>
@@ -3683,9 +3601,7 @@
         </p:style>
         <p:txBody>
           <a:bodyPr anchor="ctr"/>
-          <a:lstStyle>
-            <a:extLst/>
-          </a:lstStyle>
+          <a:lstStyle/>
           <a:p>
             <a:pPr algn="l" eaLnBrk="1" latinLnBrk="0" hangingPunct="1"/>
             <a:endParaRPr kumimoji="0" lang="en-US"/>
@@ -3798,9 +3714,7 @@
         </p:spPr>
         <p:txBody>
           <a:bodyPr vert="horz" wrap="square" lIns="91440" tIns="45720" rIns="91440" bIns="45720" anchor="t" compatLnSpc="1"/>
-          <a:lstStyle>
-            <a:extLst/>
-          </a:lstStyle>
+          <a:lstStyle/>
           <a:p>
             <a:endParaRPr kumimoji="0" lang="en-US"/>
           </a:p>
@@ -3880,9 +3794,7 @@
         </p:spPr>
         <p:txBody>
           <a:bodyPr vert="horz" wrap="square" lIns="91440" tIns="45720" rIns="91440" bIns="45720" anchor="t" compatLnSpc="1"/>
-          <a:lstStyle>
-            <a:extLst/>
-          </a:lstStyle>
+          <a:lstStyle/>
           <a:p>
             <a:endParaRPr kumimoji="0" lang="en-US"/>
           </a:p>
@@ -3990,9 +3902,7 @@
         </p:style>
         <p:txBody>
           <a:bodyPr vert="horz" wrap="square" lIns="91440" tIns="45720" rIns="91440" bIns="45720" anchor="ctr" compatLnSpc="1"/>
-          <a:lstStyle>
-            <a:extLst/>
-          </a:lstStyle>
+          <a:lstStyle/>
           <a:p>
             <a:pPr algn="ctr" eaLnBrk="1" latinLnBrk="0" hangingPunct="1"/>
             <a:endParaRPr kumimoji="0" lang="en-US"/>
@@ -4082,15 +3992,12 @@
               <a:bevelT w="25400" h="25400"/>
             </a:sp3d>
           </a:bodyPr>
-          <a:lstStyle>
-            <a:extLst/>
-          </a:lstStyle>
-          <a:p>
-            <a:r>
-              <a:rPr kumimoji="0" lang="en-US" smtClean="0"/>
+          <a:lstStyle/>
+          <a:p>
+            <a:r>
+              <a:rPr kumimoji="0" lang="en-US"/>
               <a:t>Click to edit Master title style</a:t>
             </a:r>
-            <a:endParaRPr kumimoji="0" lang="en-US"/>
           </a:p>
         </p:txBody>
       </p:sp>
@@ -4117,44 +4024,41 @@
           <a:bodyPr vert="horz">
             <a:normAutofit/>
           </a:bodyPr>
-          <a:lstStyle>
-            <a:extLst/>
-          </a:lstStyle>
+          <a:lstStyle/>
           <a:p>
             <a:pPr lvl="0" eaLnBrk="1" latinLnBrk="0" hangingPunct="1"/>
             <a:r>
-              <a:rPr kumimoji="0" lang="en-US" smtClean="0"/>
+              <a:rPr kumimoji="0" lang="en-US"/>
               <a:t>Click to edit Master text styles</a:t>
             </a:r>
           </a:p>
           <a:p>
             <a:pPr lvl="1" eaLnBrk="1" latinLnBrk="0" hangingPunct="1"/>
             <a:r>
-              <a:rPr kumimoji="0" lang="en-US" smtClean="0"/>
+              <a:rPr kumimoji="0" lang="en-US"/>
               <a:t>Second level</a:t>
             </a:r>
           </a:p>
           <a:p>
             <a:pPr lvl="2" eaLnBrk="1" latinLnBrk="0" hangingPunct="1"/>
             <a:r>
-              <a:rPr kumimoji="0" lang="en-US" smtClean="0"/>
+              <a:rPr kumimoji="0" lang="en-US"/>
               <a:t>Third level</a:t>
             </a:r>
           </a:p>
           <a:p>
             <a:pPr lvl="3" eaLnBrk="1" latinLnBrk="0" hangingPunct="1"/>
             <a:r>
-              <a:rPr kumimoji="0" lang="en-US" smtClean="0"/>
+              <a:rPr kumimoji="0" lang="en-US"/>
               <a:t>Fourth level</a:t>
             </a:r>
           </a:p>
           <a:p>
             <a:pPr lvl="4" eaLnBrk="1" latinLnBrk="0" hangingPunct="1"/>
             <a:r>
-              <a:rPr kumimoji="0" lang="en-US" smtClean="0"/>
+              <a:rPr kumimoji="0" lang="en-US"/>
               <a:t>Fifth level</a:t>
             </a:r>
-            <a:endParaRPr kumimoji="0" lang="en-US"/>
           </a:p>
         </p:txBody>
       </p:sp>
@@ -4192,7 +4096,7 @@
           <a:p>
             <a:fld id="{E6E105BB-4CBD-4D49-87AE-F4338F19186E}" type="datetimeFigureOut">
               <a:rPr lang="de-AT" smtClean="0"/>
-              <a:t>25.05.2021</a:t>
+              <a:t>26.05.2021</a:t>
             </a:fld>
             <a:endParaRPr lang="de-AT"/>
           </a:p>
@@ -4268,7 +4172,7 @@
           <a:p>
             <a:fld id="{21D42077-43FA-4EEB-B205-55F09D978688}" type="slidenum">
               <a:rPr lang="de-AT" smtClean="0"/>
-              <a:t>‹#›</a:t>
+              <a:t>‹Nr.›</a:t>
             </a:fld>
             <a:endParaRPr lang="de-AT"/>
           </a:p>
@@ -4615,10 +4519,9 @@
           <a:lstStyle/>
           <a:p>
             <a:r>
-              <a:rPr lang="de-AT" dirty="0" smtClean="0"/>
+              <a:rPr lang="de-AT" dirty="0"/>
               <a:t>Team Project</a:t>
             </a:r>
-            <a:endParaRPr lang="de-AT" dirty="0"/>
           </a:p>
         </p:txBody>
       </p:sp>
@@ -4638,10 +4541,9 @@
           <a:lstStyle/>
           <a:p>
             <a:r>
-              <a:rPr lang="de-AT" dirty="0" smtClean="0"/>
+              <a:rPr lang="de-AT" dirty="0"/>
               <a:t>Code Factory</a:t>
             </a:r>
-            <a:endParaRPr lang="de-AT" dirty="0"/>
           </a:p>
         </p:txBody>
       </p:sp>
@@ -4654,6 +4556,66 @@
 </file>
 
 <file path=ppt/slides/slide10.xml><?xml version="1.0" encoding="utf-8"?>
+<p:sld xmlns:a="http://schemas.openxmlformats.org/drawingml/2006/main" xmlns:r="http://schemas.openxmlformats.org/officeDocument/2006/relationships" xmlns:p="http://schemas.openxmlformats.org/presentationml/2006/main">
+  <p:cSld>
+    <p:spTree>
+      <p:nvGrpSpPr>
+        <p:cNvPr id="1" name=""/>
+        <p:cNvGrpSpPr/>
+        <p:nvPr/>
+      </p:nvGrpSpPr>
+      <p:grpSpPr>
+        <a:xfrm>
+          <a:off x="0" y="0"/>
+          <a:ext cx="0" cy="0"/>
+          <a:chOff x="0" y="0"/>
+          <a:chExt cx="0" cy="0"/>
+        </a:xfrm>
+      </p:grpSpPr>
+      <p:pic>
+        <p:nvPicPr>
+          <p:cNvPr id="3" name="Grafik 2">
+            <a:extLst>
+              <a:ext uri="{FF2B5EF4-FFF2-40B4-BE49-F238E27FC236}">
+                <a16:creationId xmlns:a16="http://schemas.microsoft.com/office/drawing/2014/main" id="{31BAB196-BC7B-4FD0-B0BB-49257F279869}"/>
+              </a:ext>
+            </a:extLst>
+          </p:cNvPr>
+          <p:cNvPicPr>
+            <a:picLocks noChangeAspect="1"/>
+          </p:cNvPicPr>
+          <p:nvPr/>
+        </p:nvPicPr>
+        <p:blipFill>
+          <a:blip r:embed="rId2"/>
+          <a:stretch>
+            <a:fillRect/>
+          </a:stretch>
+        </p:blipFill>
+        <p:spPr>
+          <a:xfrm>
+            <a:off x="4067944" y="351915"/>
+            <a:ext cx="4775143" cy="6154170"/>
+          </a:xfrm>
+          <a:prstGeom prst="rect">
+            <a:avLst/>
+          </a:prstGeom>
+        </p:spPr>
+      </p:pic>
+    </p:spTree>
+    <p:extLst>
+      <p:ext uri="{BB962C8B-B14F-4D97-AF65-F5344CB8AC3E}">
+        <p14:creationId xmlns:p14="http://schemas.microsoft.com/office/powerpoint/2010/main" val="1271962284"/>
+      </p:ext>
+    </p:extLst>
+  </p:cSld>
+  <p:clrMapOvr>
+    <a:masterClrMapping/>
+  </p:clrMapOvr>
+</p:sld>
+</file>
+
+<file path=ppt/slides/slide11.xml><?xml version="1.0" encoding="utf-8"?>
 <p:sld xmlns:a="http://schemas.openxmlformats.org/drawingml/2006/main" xmlns:r="http://schemas.openxmlformats.org/officeDocument/2006/relationships" xmlns:p="http://schemas.openxmlformats.org/presentationml/2006/main">
   <p:cSld>
     <p:bg>
@@ -4701,9 +4663,18 @@
           <a:lstStyle/>
           <a:p>
             <a:r>
+              <a:rPr lang="de-AT" dirty="0" err="1"/>
+              <a:t>Lessons</a:t>
+            </a:r>
+            <a:r>
               <a:rPr lang="de-AT" dirty="0"/>
-              <a:t>Q &amp; A</a:t>
-            </a:r>
+              <a:t> </a:t>
+            </a:r>
+            <a:r>
+              <a:rPr lang="de-AT" dirty="0" err="1"/>
+              <a:t>Learned</a:t>
+            </a:r>
+            <a:endParaRPr lang="de-AT" dirty="0"/>
           </a:p>
         </p:txBody>
       </p:sp>
@@ -4716,7 +4687,7 @@
         <p:spPr>
           <a:xfrm>
             <a:off x="611560" y="1916832"/>
-            <a:ext cx="7920880" cy="307777"/>
+            <a:ext cx="7920880" cy="3108543"/>
           </a:xfrm>
           <a:prstGeom prst="rect">
             <a:avLst/>
@@ -4730,10 +4701,793 @@
           <a:lstStyle/>
           <a:p>
             <a:r>
-              <a:rPr lang="de-AT" sz="1400" dirty="0" smtClean="0"/>
-              <a:t>Text text</a:t>
+              <a:rPr lang="de-AT" sz="1400" dirty="0"/>
+              <a:t>Shopping </a:t>
+            </a:r>
+            <a:r>
+              <a:rPr lang="de-AT" sz="1400" dirty="0" err="1"/>
+              <a:t>cart</a:t>
             </a:r>
             <a:endParaRPr lang="de-AT" sz="1400" dirty="0"/>
+          </a:p>
+          <a:p>
+            <a:pPr marL="285750" indent="-285750">
+              <a:buFontTx/>
+              <a:buChar char="-"/>
+            </a:pPr>
+            <a:r>
+              <a:rPr lang="de-AT" sz="1400" dirty="0" err="1"/>
+              <a:t>had</a:t>
+            </a:r>
+            <a:r>
+              <a:rPr lang="de-AT" sz="1400" dirty="0"/>
+              <a:t> </a:t>
+            </a:r>
+            <a:r>
+              <a:rPr lang="de-AT" sz="1400" dirty="0" err="1"/>
+              <a:t>to</a:t>
+            </a:r>
+            <a:r>
+              <a:rPr lang="de-AT" sz="1400" dirty="0"/>
+              <a:t> not </a:t>
+            </a:r>
+            <a:r>
+              <a:rPr lang="de-AT" sz="1400" dirty="0" err="1"/>
+              <a:t>only</a:t>
+            </a:r>
+            <a:r>
+              <a:rPr lang="de-AT" sz="1400" dirty="0"/>
+              <a:t> </a:t>
+            </a:r>
+            <a:r>
+              <a:rPr lang="de-AT" sz="1400" dirty="0" err="1"/>
+              <a:t>calculate</a:t>
+            </a:r>
+            <a:r>
+              <a:rPr lang="de-AT" sz="1400" dirty="0"/>
+              <a:t> </a:t>
+            </a:r>
+            <a:r>
+              <a:rPr lang="de-AT" sz="1400" dirty="0" err="1"/>
+              <a:t>once</a:t>
+            </a:r>
+            <a:r>
+              <a:rPr lang="de-AT" sz="1400" dirty="0"/>
+              <a:t> but at </a:t>
+            </a:r>
+            <a:r>
+              <a:rPr lang="de-AT" sz="1400" dirty="0" err="1"/>
+              <a:t>several</a:t>
+            </a:r>
+            <a:r>
+              <a:rPr lang="de-AT" sz="1400" dirty="0"/>
+              <a:t> </a:t>
+            </a:r>
+            <a:r>
+              <a:rPr lang="de-AT" sz="1400" dirty="0" err="1"/>
+              <a:t>locations</a:t>
+            </a:r>
+            <a:endParaRPr lang="de-AT" sz="1400" dirty="0"/>
+          </a:p>
+          <a:p>
+            <a:pPr marL="285750" indent="-285750">
+              <a:buFontTx/>
+              <a:buChar char="-"/>
+            </a:pPr>
+            <a:r>
+              <a:rPr lang="de-AT" sz="1400" dirty="0" err="1"/>
+              <a:t>Better</a:t>
+            </a:r>
+            <a:r>
+              <a:rPr lang="de-AT" sz="1400" dirty="0"/>
+              <a:t> </a:t>
+            </a:r>
+            <a:r>
+              <a:rPr lang="de-AT" sz="1400" dirty="0" err="1"/>
+              <a:t>to</a:t>
+            </a:r>
+            <a:r>
+              <a:rPr lang="de-AT" sz="1400" dirty="0"/>
+              <a:t> </a:t>
+            </a:r>
+            <a:r>
+              <a:rPr lang="de-AT" sz="1400" dirty="0" err="1"/>
+              <a:t>include</a:t>
+            </a:r>
+            <a:r>
+              <a:rPr lang="de-AT" sz="1400" dirty="0"/>
+              <a:t> </a:t>
+            </a:r>
+            <a:r>
+              <a:rPr lang="de-AT" sz="1400" dirty="0" err="1"/>
+              <a:t>seperate</a:t>
+            </a:r>
+            <a:r>
+              <a:rPr lang="de-AT" sz="1400" dirty="0"/>
+              <a:t> </a:t>
+            </a:r>
+            <a:r>
+              <a:rPr lang="de-AT" sz="1400" dirty="0" err="1"/>
+              <a:t>cart</a:t>
+            </a:r>
+            <a:r>
+              <a:rPr lang="de-AT" sz="1400" dirty="0"/>
+              <a:t> </a:t>
+            </a:r>
+            <a:r>
+              <a:rPr lang="de-AT" sz="1400" dirty="0" err="1"/>
+              <a:t>table</a:t>
+            </a:r>
+            <a:r>
+              <a:rPr lang="de-AT" sz="1400" dirty="0"/>
+              <a:t> </a:t>
+            </a:r>
+          </a:p>
+          <a:p>
+            <a:pPr marL="285750" indent="-285750">
+              <a:buFontTx/>
+              <a:buChar char="-"/>
+            </a:pPr>
+            <a:endParaRPr lang="de-AT" sz="1400" dirty="0"/>
+          </a:p>
+          <a:p>
+            <a:r>
+              <a:rPr lang="de-AT" sz="1400" dirty="0" err="1"/>
+              <a:t>Importance</a:t>
+            </a:r>
+            <a:r>
+              <a:rPr lang="de-AT" sz="1400" dirty="0"/>
+              <a:t> </a:t>
+            </a:r>
+            <a:r>
+              <a:rPr lang="de-AT" sz="1400" dirty="0" err="1"/>
+              <a:t>to</a:t>
+            </a:r>
+            <a:r>
+              <a:rPr lang="de-AT" sz="1400" dirty="0"/>
+              <a:t> </a:t>
+            </a:r>
+            <a:r>
+              <a:rPr lang="de-AT" sz="1400" dirty="0" err="1"/>
+              <a:t>test</a:t>
+            </a:r>
+            <a:r>
+              <a:rPr lang="de-AT" sz="1400" dirty="0"/>
+              <a:t> </a:t>
+            </a:r>
+            <a:r>
+              <a:rPr lang="de-AT" sz="1400" dirty="0" err="1"/>
+              <a:t>each</a:t>
+            </a:r>
+            <a:r>
+              <a:rPr lang="de-AT" sz="1400" dirty="0"/>
+              <a:t> </a:t>
+            </a:r>
+            <a:r>
+              <a:rPr lang="de-AT" sz="1400" dirty="0" err="1"/>
+              <a:t>others</a:t>
+            </a:r>
+            <a:r>
+              <a:rPr lang="de-AT" sz="1400" dirty="0"/>
+              <a:t> code (Blindness </a:t>
+            </a:r>
+            <a:r>
+              <a:rPr lang="de-AT" sz="1400" dirty="0" err="1"/>
+              <a:t>to</a:t>
+            </a:r>
+            <a:r>
+              <a:rPr lang="de-AT" sz="1400" dirty="0"/>
+              <a:t> own </a:t>
+            </a:r>
+            <a:r>
+              <a:rPr lang="de-AT" sz="1400" dirty="0" err="1"/>
+              <a:t>errors</a:t>
+            </a:r>
+            <a:r>
+              <a:rPr lang="de-AT" sz="1400" dirty="0"/>
+              <a:t>)</a:t>
+            </a:r>
+          </a:p>
+          <a:p>
+            <a:endParaRPr lang="de-AT" sz="1400" dirty="0"/>
+          </a:p>
+          <a:p>
+            <a:r>
+              <a:rPr lang="de-AT" sz="1400" dirty="0" err="1"/>
+              <a:t>Discovered</a:t>
+            </a:r>
+            <a:r>
+              <a:rPr lang="de-AT" sz="1400" dirty="0"/>
+              <a:t> </a:t>
+            </a:r>
+            <a:r>
+              <a:rPr lang="de-AT" sz="1400" dirty="0" err="1"/>
+              <a:t>further</a:t>
+            </a:r>
+            <a:r>
+              <a:rPr lang="de-AT" sz="1400" dirty="0"/>
+              <a:t> </a:t>
+            </a:r>
+            <a:r>
+              <a:rPr lang="de-AT" sz="1400" dirty="0" err="1"/>
+              <a:t>bugs</a:t>
+            </a:r>
+            <a:r>
+              <a:rPr lang="de-AT" sz="1400" dirty="0"/>
+              <a:t> </a:t>
+            </a:r>
+            <a:r>
+              <a:rPr lang="de-AT" sz="1400" dirty="0" err="1"/>
+              <a:t>with</a:t>
+            </a:r>
+            <a:r>
+              <a:rPr lang="de-AT" sz="1400" dirty="0"/>
+              <a:t> explorative </a:t>
+            </a:r>
+            <a:r>
+              <a:rPr lang="de-AT" sz="1400" dirty="0" err="1"/>
+              <a:t>testing</a:t>
+            </a:r>
+            <a:r>
+              <a:rPr lang="de-AT" sz="1400" dirty="0"/>
+              <a:t> </a:t>
+            </a:r>
+          </a:p>
+          <a:p>
+            <a:endParaRPr lang="de-AT" sz="1400" dirty="0"/>
+          </a:p>
+          <a:p>
+            <a:r>
+              <a:rPr lang="de-AT" sz="1400" dirty="0"/>
+              <a:t>Extensive </a:t>
+            </a:r>
+            <a:r>
+              <a:rPr lang="de-AT" sz="1400" dirty="0" err="1"/>
+              <a:t>usage</a:t>
+            </a:r>
+            <a:r>
+              <a:rPr lang="de-AT" sz="1400" dirty="0"/>
+              <a:t> </a:t>
+            </a:r>
+            <a:r>
+              <a:rPr lang="de-AT" sz="1400" dirty="0" err="1"/>
+              <a:t>of</a:t>
+            </a:r>
+            <a:r>
+              <a:rPr lang="de-AT" sz="1400" dirty="0"/>
+              <a:t> </a:t>
+            </a:r>
+            <a:r>
+              <a:rPr lang="de-AT" sz="1400" dirty="0" err="1"/>
+              <a:t>Slack</a:t>
+            </a:r>
+            <a:r>
+              <a:rPr lang="de-AT" sz="1400" dirty="0"/>
+              <a:t> &amp; Jira </a:t>
+            </a:r>
+            <a:r>
+              <a:rPr lang="de-AT" sz="1400" dirty="0" err="1"/>
+              <a:t>to</a:t>
+            </a:r>
+            <a:r>
+              <a:rPr lang="de-AT" sz="1400" dirty="0"/>
+              <a:t> </a:t>
+            </a:r>
+            <a:r>
+              <a:rPr lang="de-AT" sz="1400" dirty="0" err="1"/>
+              <a:t>avoid</a:t>
+            </a:r>
+            <a:r>
+              <a:rPr lang="de-AT" sz="1400" dirty="0"/>
+              <a:t> </a:t>
+            </a:r>
+            <a:r>
+              <a:rPr lang="de-AT" sz="1400" dirty="0" err="1"/>
+              <a:t>merge</a:t>
+            </a:r>
+            <a:r>
+              <a:rPr lang="de-AT" sz="1400" dirty="0"/>
+              <a:t> </a:t>
+            </a:r>
+            <a:r>
+              <a:rPr lang="de-AT" sz="1400" dirty="0" err="1"/>
+              <a:t>conflicts</a:t>
+            </a:r>
+            <a:endParaRPr lang="de-AT" sz="1400" dirty="0"/>
+          </a:p>
+          <a:p>
+            <a:endParaRPr lang="de-AT" sz="1400" dirty="0"/>
+          </a:p>
+          <a:p>
+            <a:r>
+              <a:rPr lang="de-AT" sz="1400" dirty="0" err="1"/>
+              <a:t>Slack</a:t>
+            </a:r>
+            <a:endParaRPr lang="de-AT" sz="1400" dirty="0"/>
+          </a:p>
+          <a:p>
+            <a:pPr marL="285750" indent="-285750">
+              <a:buFontTx/>
+              <a:buChar char="-"/>
+            </a:pPr>
+            <a:r>
+              <a:rPr lang="de-AT" sz="1400" dirty="0"/>
+              <a:t>Best </a:t>
+            </a:r>
+            <a:r>
+              <a:rPr lang="de-AT" sz="1400" dirty="0" err="1"/>
+              <a:t>is</a:t>
+            </a:r>
+            <a:r>
+              <a:rPr lang="de-AT" sz="1400" dirty="0"/>
+              <a:t> </a:t>
+            </a:r>
+            <a:r>
+              <a:rPr lang="de-AT" sz="1400" dirty="0" err="1"/>
+              <a:t>address</a:t>
+            </a:r>
+            <a:r>
+              <a:rPr lang="de-AT" sz="1400" dirty="0"/>
+              <a:t> </a:t>
+            </a:r>
+            <a:r>
+              <a:rPr lang="de-AT" sz="1400" dirty="0" err="1"/>
+              <a:t>with</a:t>
+            </a:r>
+            <a:r>
+              <a:rPr lang="de-AT" sz="1400" dirty="0"/>
+              <a:t> @ </a:t>
+            </a:r>
+          </a:p>
+          <a:p>
+            <a:pPr marL="285750" indent="-285750">
+              <a:buFontTx/>
+              <a:buChar char="-"/>
+            </a:pPr>
+            <a:r>
+              <a:rPr lang="de-AT" sz="1400" dirty="0" err="1"/>
+              <a:t>Subchats</a:t>
+            </a:r>
+            <a:r>
+              <a:rPr lang="de-AT" sz="1400" dirty="0"/>
+              <a:t> </a:t>
+            </a:r>
+            <a:r>
+              <a:rPr lang="de-AT" sz="1400" dirty="0" err="1"/>
+              <a:t>are</a:t>
+            </a:r>
+            <a:r>
+              <a:rPr lang="de-AT" sz="1400" dirty="0"/>
+              <a:t> </a:t>
+            </a:r>
+            <a:r>
+              <a:rPr lang="de-AT" sz="1400" dirty="0" err="1"/>
+              <a:t>easily</a:t>
+            </a:r>
+            <a:r>
+              <a:rPr lang="de-AT" sz="1400" dirty="0"/>
+              <a:t> </a:t>
+            </a:r>
+            <a:r>
+              <a:rPr lang="de-AT" sz="1400" dirty="0" err="1"/>
+              <a:t>overlooked</a:t>
+            </a:r>
+            <a:endParaRPr lang="de-AT" sz="1400" dirty="0"/>
+          </a:p>
+          <a:p>
+            <a:pPr marL="285750" indent="-285750">
+              <a:buFontTx/>
+              <a:buChar char="-"/>
+            </a:pPr>
+            <a:endParaRPr lang="de-AT" sz="1400" dirty="0"/>
+          </a:p>
+        </p:txBody>
+      </p:sp>
+    </p:spTree>
+  </p:cSld>
+  <p:clrMapOvr>
+    <a:masterClrMapping/>
+  </p:clrMapOvr>
+</p:sld>
+</file>
+
+<file path=ppt/slides/slide12.xml><?xml version="1.0" encoding="utf-8"?>
+<p:sld xmlns:a="http://schemas.openxmlformats.org/drawingml/2006/main" xmlns:r="http://schemas.openxmlformats.org/officeDocument/2006/relationships" xmlns:p="http://schemas.openxmlformats.org/presentationml/2006/main">
+  <p:cSld>
+    <p:bg>
+      <p:bgPr>
+        <a:solidFill>
+          <a:schemeClr val="bg1"/>
+        </a:solidFill>
+        <a:effectLst/>
+      </p:bgPr>
+    </p:bg>
+    <p:spTree>
+      <p:nvGrpSpPr>
+        <p:cNvPr id="1" name=""/>
+        <p:cNvGrpSpPr/>
+        <p:nvPr/>
+      </p:nvGrpSpPr>
+      <p:grpSpPr>
+        <a:xfrm>
+          <a:off x="0" y="0"/>
+          <a:ext cx="0" cy="0"/>
+          <a:chOff x="0" y="0"/>
+          <a:chExt cx="0" cy="0"/>
+        </a:xfrm>
+      </p:grpSpPr>
+      <p:sp>
+        <p:nvSpPr>
+          <p:cNvPr id="3" name="TextBox 2"/>
+          <p:cNvSpPr txBox="1"/>
+          <p:nvPr/>
+        </p:nvSpPr>
+        <p:spPr>
+          <a:xfrm>
+            <a:off x="539552" y="1052736"/>
+            <a:ext cx="7920880" cy="369332"/>
+          </a:xfrm>
+          <a:prstGeom prst="rect">
+            <a:avLst/>
+          </a:prstGeom>
+          <a:noFill/>
+        </p:spPr>
+        <p:txBody>
+          <a:bodyPr wrap="square" rtlCol="0">
+            <a:spAutoFit/>
+          </a:bodyPr>
+          <a:lstStyle/>
+          <a:p>
+            <a:r>
+              <a:rPr lang="de-AT" dirty="0"/>
+              <a:t>Live Presentations</a:t>
+            </a:r>
+          </a:p>
+        </p:txBody>
+      </p:sp>
+      <p:sp>
+        <p:nvSpPr>
+          <p:cNvPr id="4" name="TextBox 3"/>
+          <p:cNvSpPr txBox="1"/>
+          <p:nvPr/>
+        </p:nvSpPr>
+        <p:spPr>
+          <a:xfrm>
+            <a:off x="611560" y="1916832"/>
+            <a:ext cx="3024336" cy="2462213"/>
+          </a:xfrm>
+          <a:prstGeom prst="rect">
+            <a:avLst/>
+          </a:prstGeom>
+          <a:noFill/>
+        </p:spPr>
+        <p:txBody>
+          <a:bodyPr wrap="square" rtlCol="0">
+            <a:spAutoFit/>
+          </a:bodyPr>
+          <a:lstStyle/>
+          <a:p>
+            <a:r>
+              <a:rPr lang="de-AT" sz="1400" dirty="0"/>
+              <a:t>Landing </a:t>
+            </a:r>
+            <a:r>
+              <a:rPr lang="de-AT" sz="1400" dirty="0" err="1"/>
+              <a:t>page</a:t>
+            </a:r>
+            <a:endParaRPr lang="de-AT" sz="1400" dirty="0"/>
+          </a:p>
+          <a:p>
+            <a:r>
+              <a:rPr lang="de-AT" sz="1400" dirty="0"/>
+              <a:t>Login</a:t>
+            </a:r>
+          </a:p>
+          <a:p>
+            <a:r>
+              <a:rPr lang="de-AT" sz="1400" dirty="0"/>
+              <a:t>Header</a:t>
+            </a:r>
+          </a:p>
+          <a:p>
+            <a:r>
+              <a:rPr lang="de-AT" sz="1400" dirty="0"/>
+              <a:t>User Profile + Update</a:t>
+            </a:r>
+          </a:p>
+          <a:p>
+            <a:r>
+              <a:rPr lang="de-AT" sz="1400" dirty="0"/>
+              <a:t>By </a:t>
+            </a:r>
+            <a:r>
+              <a:rPr lang="de-AT" sz="1400" dirty="0" err="1"/>
+              <a:t>to</a:t>
+            </a:r>
+            <a:r>
+              <a:rPr lang="de-AT" sz="1400" dirty="0"/>
+              <a:t> </a:t>
+            </a:r>
+          </a:p>
+          <a:p>
+            <a:r>
+              <a:rPr lang="de-AT" sz="1400" dirty="0" err="1"/>
+              <a:t>Product</a:t>
+            </a:r>
+            <a:r>
+              <a:rPr lang="de-AT" sz="1400" dirty="0"/>
+              <a:t> Catalog</a:t>
+            </a:r>
+          </a:p>
+          <a:p>
+            <a:r>
+              <a:rPr lang="de-AT" sz="1400" dirty="0" err="1"/>
+              <a:t>Product</a:t>
+            </a:r>
+            <a:r>
+              <a:rPr lang="de-AT" sz="1400" dirty="0"/>
+              <a:t> Detail </a:t>
+            </a:r>
+            <a:r>
+              <a:rPr lang="de-AT" sz="1400" dirty="0" err="1"/>
+              <a:t>or</a:t>
+            </a:r>
+            <a:r>
+              <a:rPr lang="de-AT" sz="1400" dirty="0"/>
+              <a:t> </a:t>
+            </a:r>
+            <a:r>
+              <a:rPr lang="de-AT" sz="1400" dirty="0" err="1"/>
+              <a:t>Cart</a:t>
+            </a:r>
+            <a:endParaRPr lang="de-AT" sz="1400" dirty="0"/>
+          </a:p>
+          <a:p>
+            <a:r>
+              <a:rPr lang="de-AT" sz="1400" dirty="0"/>
+              <a:t>Admin Dashboard</a:t>
+            </a:r>
+          </a:p>
+          <a:p>
+            <a:r>
+              <a:rPr lang="de-AT" sz="1400" dirty="0"/>
+              <a:t>User Profile</a:t>
+            </a:r>
+          </a:p>
+          <a:p>
+            <a:endParaRPr lang="de-AT" sz="1400" dirty="0"/>
+          </a:p>
+          <a:p>
+            <a:r>
+              <a:rPr lang="de-AT" sz="1400" dirty="0" err="1"/>
+              <a:t>Responsiveness</a:t>
+            </a:r>
+            <a:endParaRPr lang="de-AT" sz="1400" dirty="0"/>
+          </a:p>
+        </p:txBody>
+      </p:sp>
+      <p:sp>
+        <p:nvSpPr>
+          <p:cNvPr id="5" name="TextBox 3">
+            <a:extLst>
+              <a:ext uri="{FF2B5EF4-FFF2-40B4-BE49-F238E27FC236}">
+                <a16:creationId xmlns:a16="http://schemas.microsoft.com/office/drawing/2014/main" id="{F5994B00-C7D4-457B-A5F3-5C9DC0F2F48F}"/>
+              </a:ext>
+            </a:extLst>
+          </p:cNvPr>
+          <p:cNvSpPr txBox="1"/>
+          <p:nvPr/>
+        </p:nvSpPr>
+        <p:spPr>
+          <a:xfrm>
+            <a:off x="4788024" y="1988840"/>
+            <a:ext cx="3024336" cy="3323987"/>
+          </a:xfrm>
+          <a:prstGeom prst="rect">
+            <a:avLst/>
+          </a:prstGeom>
+          <a:noFill/>
+        </p:spPr>
+        <p:txBody>
+          <a:bodyPr wrap="square" rtlCol="0">
+            <a:spAutoFit/>
+          </a:bodyPr>
+          <a:lstStyle/>
+          <a:p>
+            <a:r>
+              <a:rPr lang="de-AT" sz="1400" dirty="0"/>
+              <a:t>Admin </a:t>
+            </a:r>
+            <a:r>
+              <a:rPr lang="de-AT" sz="1400" dirty="0" err="1"/>
+              <a:t>banns</a:t>
+            </a:r>
+            <a:endParaRPr lang="de-AT" sz="1400" dirty="0"/>
+          </a:p>
+          <a:p>
+            <a:r>
+              <a:rPr lang="de-AT" sz="1400" dirty="0"/>
+              <a:t>User </a:t>
+            </a:r>
+            <a:r>
+              <a:rPr lang="de-AT" sz="1400" dirty="0" err="1"/>
+              <a:t>login</a:t>
+            </a:r>
+            <a:r>
+              <a:rPr lang="de-AT" sz="1400" dirty="0"/>
+              <a:t> </a:t>
+            </a:r>
+            <a:r>
+              <a:rPr lang="de-AT" sz="1400" dirty="0" err="1"/>
+              <a:t>attempt</a:t>
+            </a:r>
+            <a:endParaRPr lang="de-AT" sz="1400" dirty="0"/>
+          </a:p>
+          <a:p>
+            <a:r>
+              <a:rPr lang="de-AT" sz="1400" dirty="0"/>
+              <a:t>Admin </a:t>
+            </a:r>
+            <a:r>
+              <a:rPr lang="de-AT" sz="1400" dirty="0" err="1"/>
+              <a:t>unbann</a:t>
+            </a:r>
+            <a:endParaRPr lang="de-AT" sz="1400" dirty="0"/>
+          </a:p>
+          <a:p>
+            <a:r>
+              <a:rPr lang="de-AT" sz="1400" dirty="0"/>
+              <a:t>User </a:t>
+            </a:r>
+            <a:r>
+              <a:rPr lang="de-AT" sz="1400" dirty="0" err="1"/>
+              <a:t>login</a:t>
+            </a:r>
+            <a:endParaRPr lang="de-AT" sz="1400" dirty="0"/>
+          </a:p>
+          <a:p>
+            <a:r>
+              <a:rPr lang="de-AT" sz="1400" dirty="0"/>
+              <a:t>Shopping </a:t>
+            </a:r>
+            <a:r>
+              <a:rPr lang="de-AT" sz="1400" dirty="0" err="1"/>
+              <a:t>Cart</a:t>
+            </a:r>
+            <a:endParaRPr lang="de-AT" sz="1400" dirty="0"/>
+          </a:p>
+          <a:p>
+            <a:r>
+              <a:rPr lang="de-AT" sz="1400" dirty="0" err="1"/>
+              <a:t>Checkout</a:t>
+            </a:r>
+            <a:endParaRPr lang="de-AT" sz="1400" dirty="0"/>
+          </a:p>
+          <a:p>
+            <a:r>
+              <a:rPr lang="de-AT" sz="1400" dirty="0" err="1"/>
+              <a:t>Continue</a:t>
+            </a:r>
+            <a:r>
+              <a:rPr lang="de-AT" sz="1400" dirty="0"/>
+              <a:t> Shopping</a:t>
+            </a:r>
+          </a:p>
+          <a:p>
+            <a:r>
+              <a:rPr lang="de-AT" sz="1400" dirty="0"/>
+              <a:t>Show email </a:t>
+            </a:r>
+            <a:r>
+              <a:rPr lang="de-AT" sz="1400" dirty="0" err="1"/>
+              <a:t>shown</a:t>
+            </a:r>
+            <a:endParaRPr lang="de-AT" sz="1400" dirty="0"/>
+          </a:p>
+          <a:p>
+            <a:r>
+              <a:rPr lang="de-AT" sz="1400" dirty="0"/>
+              <a:t>User Profile Picture update</a:t>
+            </a:r>
+          </a:p>
+          <a:p>
+            <a:endParaRPr lang="de-AT" sz="1400" dirty="0"/>
+          </a:p>
+          <a:p>
+            <a:r>
+              <a:rPr lang="de-AT" sz="1400" dirty="0"/>
+              <a:t>Admin </a:t>
+            </a:r>
+            <a:r>
+              <a:rPr lang="de-AT" sz="1400" dirty="0" err="1"/>
+              <a:t>login</a:t>
+            </a:r>
+            <a:r>
+              <a:rPr lang="de-AT" sz="1400" dirty="0"/>
+              <a:t> (</a:t>
+            </a:r>
+            <a:r>
+              <a:rPr lang="de-AT" sz="1400" dirty="0" err="1"/>
+              <a:t>sadmin</a:t>
+            </a:r>
+            <a:r>
+              <a:rPr lang="de-AT" sz="1400" dirty="0"/>
+              <a:t>@)</a:t>
+            </a:r>
+          </a:p>
+          <a:p>
+            <a:endParaRPr lang="de-AT" sz="1400" dirty="0"/>
+          </a:p>
+          <a:p>
+            <a:endParaRPr lang="de-AT" sz="1400" dirty="0"/>
+          </a:p>
+          <a:p>
+            <a:endParaRPr lang="de-AT" sz="1400" dirty="0"/>
+          </a:p>
+          <a:p>
+            <a:endParaRPr lang="de-AT" sz="1400" dirty="0"/>
+          </a:p>
+        </p:txBody>
+      </p:sp>
+    </p:spTree>
+  </p:cSld>
+  <p:clrMapOvr>
+    <a:masterClrMapping/>
+  </p:clrMapOvr>
+</p:sld>
+</file>
+
+<file path=ppt/slides/slide13.xml><?xml version="1.0" encoding="utf-8"?>
+<p:sld xmlns:a="http://schemas.openxmlformats.org/drawingml/2006/main" xmlns:r="http://schemas.openxmlformats.org/officeDocument/2006/relationships" xmlns:p="http://schemas.openxmlformats.org/presentationml/2006/main">
+  <p:cSld>
+    <p:bg>
+      <p:bgPr>
+        <a:solidFill>
+          <a:schemeClr val="bg1"/>
+        </a:solidFill>
+        <a:effectLst/>
+      </p:bgPr>
+    </p:bg>
+    <p:spTree>
+      <p:nvGrpSpPr>
+        <p:cNvPr id="1" name=""/>
+        <p:cNvGrpSpPr/>
+        <p:nvPr/>
+      </p:nvGrpSpPr>
+      <p:grpSpPr>
+        <a:xfrm>
+          <a:off x="0" y="0"/>
+          <a:ext cx="0" cy="0"/>
+          <a:chOff x="0" y="0"/>
+          <a:chExt cx="0" cy="0"/>
+        </a:xfrm>
+      </p:grpSpPr>
+      <p:sp>
+        <p:nvSpPr>
+          <p:cNvPr id="3" name="TextBox 2"/>
+          <p:cNvSpPr txBox="1"/>
+          <p:nvPr/>
+        </p:nvSpPr>
+        <p:spPr>
+          <a:xfrm>
+            <a:off x="539552" y="1052736"/>
+            <a:ext cx="7920880" cy="369332"/>
+          </a:xfrm>
+          <a:prstGeom prst="rect">
+            <a:avLst/>
+          </a:prstGeom>
+          <a:noFill/>
+        </p:spPr>
+        <p:txBody>
+          <a:bodyPr wrap="square" rtlCol="0">
+            <a:spAutoFit/>
+          </a:bodyPr>
+          <a:lstStyle/>
+          <a:p>
+            <a:r>
+              <a:rPr lang="de-AT" dirty="0"/>
+              <a:t>Q &amp; A</a:t>
+            </a:r>
           </a:p>
         </p:txBody>
       </p:sp>
@@ -4808,7 +5562,7 @@
         <p:spPr>
           <a:xfrm>
             <a:off x="611560" y="1916832"/>
-            <a:ext cx="7920880" cy="307777"/>
+            <a:ext cx="8280920" cy="3323987"/>
           </a:xfrm>
           <a:prstGeom prst="rect">
             <a:avLst/>
@@ -4822,9 +5576,94 @@
           <a:lstStyle/>
           <a:p>
             <a:r>
-              <a:rPr lang="de-AT" sz="1400" dirty="0" smtClean="0"/>
-              <a:t>Text text</a:t>
-            </a:r>
+              <a:rPr lang="de-AT" sz="1400" dirty="0"/>
+              <a:t>Maria (Team Leader)</a:t>
+            </a:r>
+          </a:p>
+          <a:p>
+            <a:r>
+              <a:rPr lang="de-AT" sz="1400" dirty="0"/>
+              <a:t>PM Software </a:t>
+            </a:r>
+            <a:r>
+              <a:rPr lang="de-AT" sz="1400" dirty="0" err="1"/>
+              <a:t>setup</a:t>
+            </a:r>
+            <a:r>
+              <a:rPr lang="de-AT" sz="1400" dirty="0"/>
+              <a:t> (Jira), Frontend, Backend, Debugging</a:t>
+            </a:r>
+          </a:p>
+          <a:p>
+            <a:endParaRPr lang="de-AT" sz="1400" dirty="0"/>
+          </a:p>
+          <a:p>
+            <a:r>
+              <a:rPr lang="de-AT" sz="1400" dirty="0"/>
+              <a:t>Martin </a:t>
+            </a:r>
+          </a:p>
+          <a:p>
+            <a:r>
+              <a:rPr lang="de-AT" sz="1400" dirty="0"/>
+              <a:t>Frontend, Backend, Database </a:t>
+            </a:r>
+            <a:r>
+              <a:rPr lang="de-AT" sz="1400" dirty="0" err="1"/>
+              <a:t>setup</a:t>
+            </a:r>
+            <a:r>
+              <a:rPr lang="de-AT" sz="1400" dirty="0"/>
+              <a:t>, Debugging</a:t>
+            </a:r>
+          </a:p>
+          <a:p>
+            <a:endParaRPr lang="de-AT" sz="1400" dirty="0"/>
+          </a:p>
+          <a:p>
+            <a:r>
+              <a:rPr lang="de-AT" sz="1400" dirty="0" err="1"/>
+              <a:t>Lesia</a:t>
+            </a:r>
+            <a:endParaRPr lang="de-AT" sz="1400" dirty="0"/>
+          </a:p>
+          <a:p>
+            <a:r>
+              <a:rPr lang="de-AT" sz="1400" dirty="0"/>
+              <a:t>Design &amp; Layout, Frontend, Responsive Design</a:t>
+            </a:r>
+          </a:p>
+          <a:p>
+            <a:endParaRPr lang="de-AT" sz="1400" dirty="0"/>
+          </a:p>
+          <a:p>
+            <a:r>
+              <a:rPr lang="de-AT" sz="1400" dirty="0"/>
+              <a:t>Richard</a:t>
+            </a:r>
+          </a:p>
+          <a:p>
+            <a:r>
+              <a:rPr lang="de-AT" sz="1400" dirty="0"/>
+              <a:t>Frontend, Backend, Debugging</a:t>
+            </a:r>
+          </a:p>
+          <a:p>
+            <a:endParaRPr lang="de-AT" sz="1400" dirty="0"/>
+          </a:p>
+          <a:p>
+            <a:r>
+              <a:rPr lang="de-AT" sz="1400" dirty="0"/>
+              <a:t>Marko</a:t>
+            </a:r>
+          </a:p>
+          <a:p>
+            <a:r>
+              <a:rPr lang="de-AT" sz="1400" dirty="0"/>
+              <a:t>Frontend, Backend, Debugging</a:t>
+            </a:r>
+          </a:p>
+          <a:p>
             <a:endParaRPr lang="de-AT" sz="1400" dirty="0"/>
           </a:p>
         </p:txBody>
@@ -4871,7 +5710,7 @@
         <p:spPr>
           <a:xfrm>
             <a:off x="539552" y="1052736"/>
-            <a:ext cx="7920880" cy="369332"/>
+            <a:ext cx="2592288" cy="923330"/>
           </a:xfrm>
           <a:prstGeom prst="rect">
             <a:avLst/>
@@ -4885,9 +5724,31 @@
           <a:lstStyle/>
           <a:p>
             <a:r>
+              <a:rPr lang="de-AT" dirty="0" err="1"/>
+              <a:t>Choosen</a:t>
+            </a:r>
+            <a:r>
               <a:rPr lang="de-AT" dirty="0"/>
-              <a:t>Choosen Topic</a:t>
-            </a:r>
+              <a:t> Topic:</a:t>
+            </a:r>
+          </a:p>
+          <a:p>
+            <a:endParaRPr lang="de-AT" dirty="0"/>
+          </a:p>
+          <a:p>
+            <a:r>
+              <a:rPr lang="de-AT" dirty="0" err="1"/>
+              <a:t>E-commerce</a:t>
+            </a:r>
+            <a:r>
+              <a:rPr lang="de-AT" dirty="0"/>
+              <a:t> </a:t>
+            </a:r>
+            <a:r>
+              <a:rPr lang="de-AT" dirty="0" err="1"/>
+              <a:t>site</a:t>
+            </a:r>
+            <a:endParaRPr lang="de-AT" dirty="0"/>
           </a:p>
         </p:txBody>
       </p:sp>
@@ -4899,8 +5760,8 @@
         </p:nvSpPr>
         <p:spPr>
           <a:xfrm>
-            <a:off x="611560" y="1916832"/>
-            <a:ext cx="7920880" cy="307777"/>
+            <a:off x="611560" y="2693238"/>
+            <a:ext cx="2520280" cy="1815882"/>
           </a:xfrm>
           <a:prstGeom prst="rect">
             <a:avLst/>
@@ -4914,10 +5775,197 @@
           <a:lstStyle/>
           <a:p>
             <a:r>
-              <a:rPr lang="de-AT" sz="1400" dirty="0" smtClean="0"/>
-              <a:t>Text text</a:t>
+              <a:rPr lang="de-AT" sz="1400" dirty="0"/>
+              <a:t>Many </a:t>
+            </a:r>
+            <a:r>
+              <a:rPr lang="de-AT" sz="1400" dirty="0" err="1"/>
+              <a:t>topics</a:t>
+            </a:r>
+            <a:r>
+              <a:rPr lang="de-AT" sz="1400" dirty="0"/>
+              <a:t> </a:t>
+            </a:r>
+            <a:r>
+              <a:rPr lang="de-AT" sz="1400" dirty="0" err="1"/>
+              <a:t>combined</a:t>
+            </a:r>
+            <a:r>
+              <a:rPr lang="de-AT" sz="1400" dirty="0"/>
+              <a:t> </a:t>
+            </a:r>
+            <a:r>
+              <a:rPr lang="de-AT" sz="1400" dirty="0" err="1"/>
+              <a:t>within</a:t>
+            </a:r>
+            <a:r>
+              <a:rPr lang="de-AT" sz="1400" dirty="0"/>
+              <a:t> </a:t>
+            </a:r>
+            <a:r>
+              <a:rPr lang="de-AT" sz="1400" dirty="0" err="1"/>
+              <a:t>the</a:t>
+            </a:r>
+            <a:r>
+              <a:rPr lang="de-AT" sz="1400" dirty="0"/>
+              <a:t> </a:t>
+            </a:r>
+            <a:r>
+              <a:rPr lang="de-AT" sz="1400" dirty="0" err="1"/>
+              <a:t>one</a:t>
             </a:r>
             <a:endParaRPr lang="de-AT" sz="1400" dirty="0"/>
+          </a:p>
+          <a:p>
+            <a:endParaRPr lang="de-AT" sz="1400" dirty="0"/>
+          </a:p>
+          <a:p>
+            <a:r>
+              <a:rPr lang="de-AT" sz="1400" dirty="0" err="1"/>
+              <a:t>Commonly</a:t>
+            </a:r>
+            <a:r>
+              <a:rPr lang="de-AT" sz="1400" dirty="0"/>
+              <a:t> </a:t>
+            </a:r>
+            <a:r>
+              <a:rPr lang="de-AT" sz="1400" dirty="0" err="1"/>
+              <a:t>needed</a:t>
+            </a:r>
+            <a:r>
+              <a:rPr lang="de-AT" sz="1400" dirty="0"/>
+              <a:t> </a:t>
+            </a:r>
+            <a:r>
+              <a:rPr lang="de-AT" sz="1400" dirty="0" err="1"/>
+              <a:t>topic</a:t>
+            </a:r>
+            <a:endParaRPr lang="de-AT" sz="1400" dirty="0"/>
+          </a:p>
+          <a:p>
+            <a:endParaRPr lang="de-AT" sz="1400" dirty="0"/>
+          </a:p>
+          <a:p>
+            <a:r>
+              <a:rPr lang="de-AT" sz="1400" dirty="0" err="1"/>
+              <a:t>Good</a:t>
+            </a:r>
+            <a:r>
+              <a:rPr lang="de-AT" sz="1400" dirty="0"/>
+              <a:t> </a:t>
+            </a:r>
+            <a:r>
+              <a:rPr lang="de-AT" sz="1400" dirty="0" err="1"/>
+              <a:t>practice</a:t>
+            </a:r>
+            <a:endParaRPr lang="de-AT" sz="1400" dirty="0"/>
+          </a:p>
+          <a:p>
+            <a:endParaRPr lang="de-AT" sz="1400" dirty="0"/>
+          </a:p>
+          <a:p>
+            <a:r>
+              <a:rPr lang="de-AT" sz="1400" dirty="0"/>
+              <a:t>A </a:t>
+            </a:r>
+            <a:r>
+              <a:rPr lang="de-AT" sz="1400" dirty="0" err="1"/>
+              <a:t>topic</a:t>
+            </a:r>
+            <a:r>
+              <a:rPr lang="de-AT" sz="1400" dirty="0"/>
+              <a:t> </a:t>
+            </a:r>
+            <a:r>
+              <a:rPr lang="de-AT" sz="1400" dirty="0" err="1"/>
+              <a:t>everybody</a:t>
+            </a:r>
+            <a:r>
+              <a:rPr lang="de-AT" sz="1400" dirty="0"/>
+              <a:t> </a:t>
+            </a:r>
+            <a:r>
+              <a:rPr lang="de-AT" sz="1400" dirty="0" err="1"/>
+              <a:t>knows</a:t>
+            </a:r>
+            <a:endParaRPr lang="de-AT" sz="1400" dirty="0"/>
+          </a:p>
+        </p:txBody>
+      </p:sp>
+      <p:pic>
+        <p:nvPicPr>
+          <p:cNvPr id="5" name="Grafik 4">
+            <a:extLst>
+              <a:ext uri="{FF2B5EF4-FFF2-40B4-BE49-F238E27FC236}">
+                <a16:creationId xmlns:a16="http://schemas.microsoft.com/office/drawing/2014/main" id="{33D390FD-408A-4D8E-BFB7-35971BA97F4E}"/>
+              </a:ext>
+            </a:extLst>
+          </p:cNvPr>
+          <p:cNvPicPr>
+            <a:picLocks noChangeAspect="1"/>
+          </p:cNvPicPr>
+          <p:nvPr/>
+        </p:nvPicPr>
+        <p:blipFill>
+          <a:blip r:embed="rId2"/>
+          <a:stretch>
+            <a:fillRect/>
+          </a:stretch>
+        </p:blipFill>
+        <p:spPr>
+          <a:xfrm>
+            <a:off x="3491880" y="404664"/>
+            <a:ext cx="5547841" cy="5509737"/>
+          </a:xfrm>
+          <a:prstGeom prst="rect">
+            <a:avLst/>
+          </a:prstGeom>
+        </p:spPr>
+      </p:pic>
+      <p:sp>
+        <p:nvSpPr>
+          <p:cNvPr id="7" name="Rechteck 6">
+            <a:extLst>
+              <a:ext uri="{FF2B5EF4-FFF2-40B4-BE49-F238E27FC236}">
+                <a16:creationId xmlns:a16="http://schemas.microsoft.com/office/drawing/2014/main" id="{E75A2089-2C3D-40FA-B66C-B18D24197C0C}"/>
+              </a:ext>
+            </a:extLst>
+          </p:cNvPr>
+          <p:cNvSpPr/>
+          <p:nvPr/>
+        </p:nvSpPr>
+        <p:spPr>
+          <a:xfrm>
+            <a:off x="3347864" y="2564905"/>
+            <a:ext cx="4680520" cy="2520279"/>
+          </a:xfrm>
+          <a:prstGeom prst="rect">
+            <a:avLst/>
+          </a:prstGeom>
+          <a:noFill/>
+        </p:spPr>
+        <p:style>
+          <a:lnRef idx="2">
+            <a:schemeClr val="accent1">
+              <a:shade val="50000"/>
+            </a:schemeClr>
+          </a:lnRef>
+          <a:fillRef idx="1">
+            <a:schemeClr val="accent1"/>
+          </a:fillRef>
+          <a:effectRef idx="0">
+            <a:schemeClr val="accent1"/>
+          </a:effectRef>
+          <a:fontRef idx="minor">
+            <a:schemeClr val="lt1"/>
+          </a:fontRef>
+        </p:style>
+        <p:txBody>
+          <a:bodyPr rtlCol="0" anchor="ctr"/>
+          <a:lstStyle/>
+          <a:p>
+            <a:pPr algn="ctr"/>
+            <a:endParaRPr lang="de-DE"/>
           </a:p>
         </p:txBody>
       </p:sp>
@@ -4992,7 +6040,7 @@
         <p:spPr>
           <a:xfrm>
             <a:off x="611560" y="1916832"/>
-            <a:ext cx="7920880" cy="307777"/>
+            <a:ext cx="2160240" cy="3970318"/>
           </a:xfrm>
           <a:prstGeom prst="rect">
             <a:avLst/>
@@ -5006,8 +6054,367 @@
           <a:lstStyle/>
           <a:p>
             <a:r>
-              <a:rPr lang="de-AT" sz="1400" dirty="0" smtClean="0"/>
-              <a:t>Text text</a:t>
+              <a:rPr lang="de-AT" sz="1400" dirty="0"/>
+              <a:t>Tools</a:t>
+            </a:r>
+          </a:p>
+          <a:p>
+            <a:endParaRPr lang="de-AT" sz="1400" dirty="0"/>
+          </a:p>
+          <a:p>
+            <a:r>
+              <a:rPr lang="de-AT" sz="1400" dirty="0"/>
+              <a:t>Jira Software</a:t>
+            </a:r>
+          </a:p>
+          <a:p>
+            <a:r>
+              <a:rPr lang="de-AT" sz="1400" dirty="0"/>
+              <a:t>Zoom</a:t>
+            </a:r>
+          </a:p>
+          <a:p>
+            <a:r>
+              <a:rPr lang="de-AT" sz="1400" dirty="0" err="1"/>
+              <a:t>Slack</a:t>
+            </a:r>
+            <a:endParaRPr lang="de-AT" sz="1400" dirty="0"/>
+          </a:p>
+          <a:p>
+            <a:endParaRPr lang="de-AT" sz="1400" dirty="0"/>
+          </a:p>
+          <a:p>
+            <a:r>
+              <a:rPr lang="de-AT" sz="1400" dirty="0"/>
+              <a:t>Visual Studio Code</a:t>
+            </a:r>
+          </a:p>
+          <a:p>
+            <a:r>
+              <a:rPr lang="de-AT" sz="1400" dirty="0"/>
+              <a:t>Notepad++</a:t>
+            </a:r>
+          </a:p>
+          <a:p>
+            <a:endParaRPr lang="de-AT" sz="1400" dirty="0"/>
+          </a:p>
+          <a:p>
+            <a:r>
+              <a:rPr lang="de-AT" sz="1400" dirty="0"/>
+              <a:t>Adobe XD</a:t>
+            </a:r>
+          </a:p>
+          <a:p>
+            <a:endParaRPr lang="de-AT" sz="1400" dirty="0"/>
+          </a:p>
+          <a:p>
+            <a:r>
+              <a:rPr lang="de-AT" sz="1400" dirty="0"/>
+              <a:t>Chrome, Firefox</a:t>
+            </a:r>
+          </a:p>
+          <a:p>
+            <a:endParaRPr lang="de-AT" sz="1400" dirty="0"/>
+          </a:p>
+          <a:p>
+            <a:r>
+              <a:rPr lang="de-AT" sz="1400" dirty="0"/>
+              <a:t>XAMPP</a:t>
+            </a:r>
+          </a:p>
+          <a:p>
+            <a:r>
+              <a:rPr lang="de-AT" sz="1400" dirty="0" err="1"/>
+              <a:t>cPanel</a:t>
+            </a:r>
+            <a:endParaRPr lang="de-AT" sz="1400" dirty="0"/>
+          </a:p>
+          <a:p>
+            <a:r>
+              <a:rPr lang="de-AT" sz="1400" dirty="0"/>
+              <a:t>FileZilla</a:t>
+            </a:r>
+          </a:p>
+          <a:p>
+            <a:endParaRPr lang="de-AT" sz="1400" dirty="0"/>
+          </a:p>
+          <a:p>
+            <a:r>
+              <a:rPr lang="de-AT" sz="1400" dirty="0"/>
+              <a:t>GitHub</a:t>
+            </a:r>
+          </a:p>
+        </p:txBody>
+      </p:sp>
+      <p:sp>
+        <p:nvSpPr>
+          <p:cNvPr id="5" name="TextBox 3">
+            <a:extLst>
+              <a:ext uri="{FF2B5EF4-FFF2-40B4-BE49-F238E27FC236}">
+                <a16:creationId xmlns:a16="http://schemas.microsoft.com/office/drawing/2014/main" id="{02CC2674-3593-4D09-A154-BEE87A7DAD17}"/>
+              </a:ext>
+            </a:extLst>
+          </p:cNvPr>
+          <p:cNvSpPr txBox="1"/>
+          <p:nvPr/>
+        </p:nvSpPr>
+        <p:spPr>
+          <a:xfrm>
+            <a:off x="6253828" y="1935322"/>
+            <a:ext cx="2422628" cy="1815882"/>
+          </a:xfrm>
+          <a:prstGeom prst="rect">
+            <a:avLst/>
+          </a:prstGeom>
+          <a:noFill/>
+        </p:spPr>
+        <p:txBody>
+          <a:bodyPr wrap="square" rtlCol="0">
+            <a:spAutoFit/>
+          </a:bodyPr>
+          <a:lstStyle/>
+          <a:p>
+            <a:r>
+              <a:rPr lang="de-AT" sz="1400" dirty="0" err="1"/>
+              <a:t>Methodologies</a:t>
+            </a:r>
+            <a:r>
+              <a:rPr lang="de-AT" sz="1400" dirty="0"/>
+              <a:t>  </a:t>
+            </a:r>
+          </a:p>
+          <a:p>
+            <a:endParaRPr lang="de-AT" sz="1400" dirty="0"/>
+          </a:p>
+          <a:p>
+            <a:r>
+              <a:rPr lang="de-AT" sz="1400" dirty="0"/>
+              <a:t>SCRUM</a:t>
+            </a:r>
+          </a:p>
+          <a:p>
+            <a:r>
+              <a:rPr lang="de-AT" sz="1400" dirty="0"/>
+              <a:t>Sprint </a:t>
+            </a:r>
+            <a:r>
+              <a:rPr lang="de-AT" sz="1400" dirty="0" err="1"/>
+              <a:t>Planning</a:t>
+            </a:r>
+            <a:endParaRPr lang="de-AT" sz="1400" dirty="0"/>
+          </a:p>
+          <a:p>
+            <a:r>
+              <a:rPr lang="de-AT" sz="1400" dirty="0"/>
+              <a:t>Daily </a:t>
+            </a:r>
+            <a:r>
+              <a:rPr lang="de-AT" sz="1400" dirty="0" err="1"/>
+              <a:t>Standups</a:t>
+            </a:r>
+            <a:endParaRPr lang="de-AT" sz="1400" dirty="0"/>
+          </a:p>
+          <a:p>
+            <a:r>
+              <a:rPr lang="de-AT" sz="1400" dirty="0"/>
+              <a:t>(Sprint Review)</a:t>
+            </a:r>
+          </a:p>
+          <a:p>
+            <a:endParaRPr lang="de-AT" sz="1400" dirty="0"/>
+          </a:p>
+          <a:p>
+            <a:endParaRPr lang="de-AT" sz="1400" dirty="0"/>
+          </a:p>
+        </p:txBody>
+      </p:sp>
+      <p:sp>
+        <p:nvSpPr>
+          <p:cNvPr id="6" name="TextBox 3">
+            <a:extLst>
+              <a:ext uri="{FF2B5EF4-FFF2-40B4-BE49-F238E27FC236}">
+                <a16:creationId xmlns:a16="http://schemas.microsoft.com/office/drawing/2014/main" id="{49185D6F-216F-4CE7-88C5-E0756E9FAC46}"/>
+              </a:ext>
+            </a:extLst>
+          </p:cNvPr>
+          <p:cNvSpPr txBox="1"/>
+          <p:nvPr/>
+        </p:nvSpPr>
+        <p:spPr>
+          <a:xfrm>
+            <a:off x="2771800" y="4293096"/>
+            <a:ext cx="3312368" cy="1169551"/>
+          </a:xfrm>
+          <a:prstGeom prst="rect">
+            <a:avLst/>
+          </a:prstGeom>
+          <a:noFill/>
+        </p:spPr>
+        <p:txBody>
+          <a:bodyPr wrap="square" rtlCol="0">
+            <a:spAutoFit/>
+          </a:bodyPr>
+          <a:lstStyle/>
+          <a:p>
+            <a:r>
+              <a:rPr lang="de-AT" sz="1400" dirty="0" err="1"/>
+              <a:t>Why</a:t>
+            </a:r>
+            <a:r>
+              <a:rPr lang="de-AT" sz="1400" dirty="0"/>
+              <a:t> not </a:t>
+            </a:r>
+            <a:r>
+              <a:rPr lang="de-AT" sz="1400" dirty="0" err="1"/>
+              <a:t>Symfony</a:t>
+            </a:r>
+            <a:r>
+              <a:rPr lang="de-AT" sz="1400" dirty="0"/>
+              <a:t>, Angular </a:t>
+            </a:r>
+            <a:r>
+              <a:rPr lang="de-AT" sz="1400" dirty="0" err="1"/>
+              <a:t>or</a:t>
+            </a:r>
+            <a:r>
+              <a:rPr lang="de-AT" sz="1400" dirty="0"/>
+              <a:t> SCSS?</a:t>
+            </a:r>
+          </a:p>
+          <a:p>
+            <a:endParaRPr lang="de-AT" sz="1400" dirty="0"/>
+          </a:p>
+          <a:p>
+            <a:r>
+              <a:rPr lang="de-AT" sz="1400" dirty="0" err="1"/>
+              <a:t>Everybody</a:t>
+            </a:r>
+            <a:r>
+              <a:rPr lang="de-AT" sz="1400" dirty="0"/>
+              <a:t> </a:t>
+            </a:r>
+            <a:r>
+              <a:rPr lang="de-AT" sz="1400" dirty="0" err="1"/>
+              <a:t>can</a:t>
+            </a:r>
+            <a:r>
+              <a:rPr lang="de-AT" sz="1400" dirty="0"/>
+              <a:t> do </a:t>
+            </a:r>
+            <a:r>
+              <a:rPr lang="de-AT" sz="1400" dirty="0" err="1"/>
+              <a:t>everything</a:t>
+            </a:r>
+            <a:endParaRPr lang="de-AT" sz="1400" dirty="0"/>
+          </a:p>
+          <a:p>
+            <a:endParaRPr lang="de-AT" sz="1400" dirty="0"/>
+          </a:p>
+          <a:p>
+            <a:r>
+              <a:rPr lang="de-AT" sz="1400" dirty="0"/>
+              <a:t>Training </a:t>
+            </a:r>
+            <a:r>
+              <a:rPr lang="de-AT" sz="1400" dirty="0" err="1"/>
+              <a:t>of</a:t>
+            </a:r>
+            <a:r>
+              <a:rPr lang="de-AT" sz="1400" dirty="0"/>
+              <a:t> </a:t>
+            </a:r>
+            <a:r>
+              <a:rPr lang="de-AT" sz="1400" dirty="0" err="1"/>
+              <a:t>the</a:t>
+            </a:r>
+            <a:r>
+              <a:rPr lang="de-AT" sz="1400" dirty="0"/>
+              <a:t> </a:t>
+            </a:r>
+            <a:r>
+              <a:rPr lang="de-AT" sz="1400" dirty="0" err="1"/>
+              <a:t>basics</a:t>
+            </a:r>
+            <a:endParaRPr lang="de-AT" sz="1400" dirty="0"/>
+          </a:p>
+        </p:txBody>
+      </p:sp>
+      <p:sp>
+        <p:nvSpPr>
+          <p:cNvPr id="7" name="TextBox 3">
+            <a:extLst>
+              <a:ext uri="{FF2B5EF4-FFF2-40B4-BE49-F238E27FC236}">
+                <a16:creationId xmlns:a16="http://schemas.microsoft.com/office/drawing/2014/main" id="{E41049B7-DE2F-4703-A7A1-C68B97CA2E22}"/>
+              </a:ext>
+            </a:extLst>
+          </p:cNvPr>
+          <p:cNvSpPr txBox="1"/>
+          <p:nvPr/>
+        </p:nvSpPr>
+        <p:spPr>
+          <a:xfrm>
+            <a:off x="2797444" y="1870666"/>
+            <a:ext cx="2422628" cy="2031325"/>
+          </a:xfrm>
+          <a:prstGeom prst="rect">
+            <a:avLst/>
+          </a:prstGeom>
+          <a:noFill/>
+        </p:spPr>
+        <p:txBody>
+          <a:bodyPr wrap="square" rtlCol="0">
+            <a:spAutoFit/>
+          </a:bodyPr>
+          <a:lstStyle/>
+          <a:p>
+            <a:r>
+              <a:rPr lang="de-AT" sz="1400" dirty="0"/>
+              <a:t>Technologien</a:t>
+            </a:r>
+          </a:p>
+          <a:p>
+            <a:endParaRPr lang="de-AT" sz="1400" dirty="0"/>
+          </a:p>
+          <a:p>
+            <a:r>
+              <a:rPr lang="de-AT" sz="1400" dirty="0"/>
+              <a:t>PHP</a:t>
+            </a:r>
+          </a:p>
+          <a:p>
+            <a:r>
+              <a:rPr lang="de-AT" sz="1400" dirty="0"/>
+              <a:t>HTML</a:t>
+            </a:r>
+          </a:p>
+          <a:p>
+            <a:r>
+              <a:rPr lang="de-AT" sz="1400" dirty="0"/>
+              <a:t>CSS</a:t>
+            </a:r>
+          </a:p>
+          <a:p>
+            <a:r>
+              <a:rPr lang="de-AT" sz="1400" dirty="0"/>
+              <a:t>Bootstrap</a:t>
+            </a:r>
+          </a:p>
+          <a:p>
+            <a:r>
+              <a:rPr lang="de-AT" sz="1400" dirty="0"/>
+              <a:t>JavaScript</a:t>
+            </a:r>
+          </a:p>
+          <a:p>
+            <a:r>
+              <a:rPr lang="de-AT" sz="1400" dirty="0"/>
+              <a:t>SQL</a:t>
+            </a:r>
+          </a:p>
+          <a:p>
+            <a:r>
+              <a:rPr lang="de-AT" sz="1400" dirty="0" err="1"/>
+              <a:t>MariaDB</a:t>
             </a:r>
             <a:endParaRPr lang="de-AT" sz="1400" dirty="0"/>
           </a:p>
@@ -5070,7 +6477,7 @@
           <a:p>
             <a:r>
               <a:rPr lang="de-AT" dirty="0"/>
-              <a:t>Task allocation</a:t>
+              <a:t>Jira Software</a:t>
             </a:r>
           </a:p>
         </p:txBody>
@@ -5098,10 +6505,17 @@
           <a:lstStyle/>
           <a:p>
             <a:r>
-              <a:rPr lang="de-AT" sz="1400" dirty="0" smtClean="0"/>
-              <a:t>Text text</a:t>
-            </a:r>
-            <a:endParaRPr lang="de-AT" sz="1400" dirty="0"/>
+              <a:rPr lang="de-AT" sz="1400" dirty="0"/>
+              <a:t>(</a:t>
+            </a:r>
+            <a:r>
+              <a:rPr lang="de-AT" sz="1400" dirty="0" err="1"/>
+              <a:t>screenshot</a:t>
+            </a:r>
+            <a:r>
+              <a:rPr lang="de-AT" sz="1400" dirty="0"/>
+              <a:t>)</a:t>
+            </a:r>
           </a:p>
         </p:txBody>
       </p:sp>
@@ -5146,7 +6560,7 @@
         </p:nvSpPr>
         <p:spPr>
           <a:xfrm>
-            <a:off x="539552" y="1052736"/>
+            <a:off x="539552" y="332656"/>
             <a:ext cx="7920880" cy="369332"/>
           </a:xfrm>
           <a:prstGeom prst="rect">
@@ -5161,8 +6575,20 @@
           <a:lstStyle/>
           <a:p>
             <a:r>
+              <a:rPr lang="de-AT" dirty="0" err="1"/>
+              <a:t>Requirement</a:t>
+            </a:r>
+            <a:r>
               <a:rPr lang="de-AT" dirty="0"/>
-              <a:t>Tools used</a:t>
+              <a:t> </a:t>
+            </a:r>
+            <a:r>
+              <a:rPr lang="de-AT" dirty="0" err="1"/>
+              <a:t>Analyses</a:t>
+            </a:r>
+            <a:r>
+              <a:rPr lang="de-AT" dirty="0"/>
+              <a:t> - Brainstorming</a:t>
             </a:r>
           </a:p>
         </p:txBody>
@@ -5190,13 +6616,42 @@
           <a:lstStyle/>
           <a:p>
             <a:r>
-              <a:rPr lang="de-AT" sz="1400" dirty="0" smtClean="0"/>
+              <a:rPr lang="de-AT" sz="1400" dirty="0"/>
               <a:t>Text text</a:t>
             </a:r>
-            <a:endParaRPr lang="de-AT" sz="1400" dirty="0"/>
-          </a:p>
-        </p:txBody>
-      </p:sp>
+          </a:p>
+        </p:txBody>
+      </p:sp>
+      <p:pic>
+        <p:nvPicPr>
+          <p:cNvPr id="7" name="Grafik 6">
+            <a:extLst>
+              <a:ext uri="{FF2B5EF4-FFF2-40B4-BE49-F238E27FC236}">
+                <a16:creationId xmlns:a16="http://schemas.microsoft.com/office/drawing/2014/main" id="{E2AB98FE-9B29-41D9-9DFF-1B2021C152F7}"/>
+              </a:ext>
+            </a:extLst>
+          </p:cNvPr>
+          <p:cNvPicPr>
+            <a:picLocks noChangeAspect="1"/>
+          </p:cNvPicPr>
+          <p:nvPr/>
+        </p:nvPicPr>
+        <p:blipFill>
+          <a:blip r:embed="rId2"/>
+          <a:stretch>
+            <a:fillRect/>
+          </a:stretch>
+        </p:blipFill>
+        <p:spPr>
+          <a:xfrm>
+            <a:off x="-4481" y="1451936"/>
+            <a:ext cx="9008946" cy="5440836"/>
+          </a:xfrm>
+          <a:prstGeom prst="rect">
+            <a:avLst/>
+          </a:prstGeom>
+        </p:spPr>
+      </p:pic>
     </p:spTree>
   </p:cSld>
   <p:clrMapOvr>
@@ -5208,14 +6663,6 @@
 <file path=ppt/slides/slide7.xml><?xml version="1.0" encoding="utf-8"?>
 <p:sld xmlns:a="http://schemas.openxmlformats.org/drawingml/2006/main" xmlns:r="http://schemas.openxmlformats.org/officeDocument/2006/relationships" xmlns:p="http://schemas.openxmlformats.org/presentationml/2006/main">
   <p:cSld>
-    <p:bg>
-      <p:bgPr>
-        <a:solidFill>
-          <a:schemeClr val="bg1"/>
-        </a:solidFill>
-        <a:effectLst/>
-      </p:bgPr>
-    </p:bg>
     <p:spTree>
       <p:nvGrpSpPr>
         <p:cNvPr id="1" name=""/>
@@ -5230,66 +6677,42 @@
           <a:chExt cx="0" cy="0"/>
         </a:xfrm>
       </p:grpSpPr>
-      <p:sp>
-        <p:nvSpPr>
-          <p:cNvPr id="3" name="TextBox 2"/>
-          <p:cNvSpPr txBox="1"/>
+      <p:pic>
+        <p:nvPicPr>
+          <p:cNvPr id="2" name="Grafik 1">
+            <a:extLst>
+              <a:ext uri="{FF2B5EF4-FFF2-40B4-BE49-F238E27FC236}">
+                <a16:creationId xmlns:a16="http://schemas.microsoft.com/office/drawing/2014/main" id="{F1D5D85A-C064-4A1E-AD99-3F21BB864E72}"/>
+              </a:ext>
+            </a:extLst>
+          </p:cNvPr>
+          <p:cNvPicPr>
+            <a:picLocks noChangeAspect="1"/>
+          </p:cNvPicPr>
           <p:nvPr/>
-        </p:nvSpPr>
+        </p:nvPicPr>
+        <p:blipFill>
+          <a:blip r:embed="rId2"/>
+          <a:stretch>
+            <a:fillRect/>
+          </a:stretch>
+        </p:blipFill>
         <p:spPr>
           <a:xfrm>
-            <a:off x="539552" y="1052736"/>
-            <a:ext cx="7920880" cy="369332"/>
+            <a:off x="2915816" y="188640"/>
+            <a:ext cx="5624047" cy="6088908"/>
           </a:xfrm>
           <a:prstGeom prst="rect">
             <a:avLst/>
           </a:prstGeom>
-          <a:noFill/>
         </p:spPr>
-        <p:txBody>
-          <a:bodyPr wrap="square" rtlCol="0">
-            <a:spAutoFit/>
-          </a:bodyPr>
-          <a:lstStyle/>
-          <a:p>
-            <a:r>
-              <a:rPr lang="de-AT" dirty="0"/>
-              <a:t>Requirement Analyses</a:t>
-            </a:r>
-          </a:p>
-        </p:txBody>
-      </p:sp>
-      <p:sp>
-        <p:nvSpPr>
-          <p:cNvPr id="4" name="TextBox 3"/>
-          <p:cNvSpPr txBox="1"/>
-          <p:nvPr/>
-        </p:nvSpPr>
-        <p:spPr>
-          <a:xfrm>
-            <a:off x="611560" y="1916832"/>
-            <a:ext cx="7920880" cy="307777"/>
-          </a:xfrm>
-          <a:prstGeom prst="rect">
-            <a:avLst/>
-          </a:prstGeom>
-          <a:noFill/>
-        </p:spPr>
-        <p:txBody>
-          <a:bodyPr wrap="square" rtlCol="0">
-            <a:spAutoFit/>
-          </a:bodyPr>
-          <a:lstStyle/>
-          <a:p>
-            <a:r>
-              <a:rPr lang="de-AT" sz="1400" dirty="0" smtClean="0"/>
-              <a:t>Text text</a:t>
-            </a:r>
-            <a:endParaRPr lang="de-AT" sz="1400" dirty="0"/>
-          </a:p>
-        </p:txBody>
-      </p:sp>
+      </p:pic>
     </p:spTree>
+    <p:extLst>
+      <p:ext uri="{BB962C8B-B14F-4D97-AF65-F5344CB8AC3E}">
+        <p14:creationId xmlns:p14="http://schemas.microsoft.com/office/powerpoint/2010/main" val="3777892334"/>
+      </p:ext>
+    </p:extLst>
   </p:cSld>
   <p:clrMapOvr>
     <a:masterClrMapping/>
@@ -5300,14 +6723,6 @@
 <file path=ppt/slides/slide8.xml><?xml version="1.0" encoding="utf-8"?>
 <p:sld xmlns:a="http://schemas.openxmlformats.org/drawingml/2006/main" xmlns:r="http://schemas.openxmlformats.org/officeDocument/2006/relationships" xmlns:p="http://schemas.openxmlformats.org/presentationml/2006/main">
   <p:cSld>
-    <p:bg>
-      <p:bgPr>
-        <a:solidFill>
-          <a:schemeClr val="bg1"/>
-        </a:solidFill>
-        <a:effectLst/>
-      </p:bgPr>
-    </p:bg>
     <p:spTree>
       <p:nvGrpSpPr>
         <p:cNvPr id="1" name=""/>
@@ -5322,66 +6737,42 @@
           <a:chExt cx="0" cy="0"/>
         </a:xfrm>
       </p:grpSpPr>
-      <p:sp>
-        <p:nvSpPr>
-          <p:cNvPr id="3" name="TextBox 2"/>
-          <p:cNvSpPr txBox="1"/>
+      <p:pic>
+        <p:nvPicPr>
+          <p:cNvPr id="3" name="Grafik 2">
+            <a:extLst>
+              <a:ext uri="{FF2B5EF4-FFF2-40B4-BE49-F238E27FC236}">
+                <a16:creationId xmlns:a16="http://schemas.microsoft.com/office/drawing/2014/main" id="{1F835DF1-8AE7-4BE2-878E-4FAAE78C2652}"/>
+              </a:ext>
+            </a:extLst>
+          </p:cNvPr>
+          <p:cNvPicPr>
+            <a:picLocks noChangeAspect="1"/>
+          </p:cNvPicPr>
           <p:nvPr/>
-        </p:nvSpPr>
+        </p:nvPicPr>
+        <p:blipFill>
+          <a:blip r:embed="rId2"/>
+          <a:stretch>
+            <a:fillRect/>
+          </a:stretch>
+        </p:blipFill>
         <p:spPr>
           <a:xfrm>
-            <a:off x="539552" y="1052736"/>
-            <a:ext cx="7920880" cy="369332"/>
+            <a:off x="1782838" y="354063"/>
+            <a:ext cx="5578323" cy="6149873"/>
           </a:xfrm>
           <a:prstGeom prst="rect">
             <a:avLst/>
           </a:prstGeom>
-          <a:noFill/>
         </p:spPr>
-        <p:txBody>
-          <a:bodyPr wrap="square" rtlCol="0">
-            <a:spAutoFit/>
-          </a:bodyPr>
-          <a:lstStyle/>
-          <a:p>
-            <a:r>
-              <a:rPr lang="de-AT" dirty="0"/>
-              <a:t>Problems encountered</a:t>
-            </a:r>
-          </a:p>
-        </p:txBody>
-      </p:sp>
-      <p:sp>
-        <p:nvSpPr>
-          <p:cNvPr id="4" name="TextBox 3"/>
-          <p:cNvSpPr txBox="1"/>
-          <p:nvPr/>
-        </p:nvSpPr>
-        <p:spPr>
-          <a:xfrm>
-            <a:off x="611560" y="1916832"/>
-            <a:ext cx="7920880" cy="307777"/>
-          </a:xfrm>
-          <a:prstGeom prst="rect">
-            <a:avLst/>
-          </a:prstGeom>
-          <a:noFill/>
-        </p:spPr>
-        <p:txBody>
-          <a:bodyPr wrap="square" rtlCol="0">
-            <a:spAutoFit/>
-          </a:bodyPr>
-          <a:lstStyle/>
-          <a:p>
-            <a:r>
-              <a:rPr lang="de-AT" sz="1400" dirty="0" smtClean="0"/>
-              <a:t>Text text</a:t>
-            </a:r>
-            <a:endParaRPr lang="de-AT" sz="1400" dirty="0"/>
-          </a:p>
-        </p:txBody>
-      </p:sp>
+      </p:pic>
     </p:spTree>
+    <p:extLst>
+      <p:ext uri="{BB962C8B-B14F-4D97-AF65-F5344CB8AC3E}">
+        <p14:creationId xmlns:p14="http://schemas.microsoft.com/office/powerpoint/2010/main" val="3429306032"/>
+      </p:ext>
+    </p:extLst>
   </p:cSld>
   <p:clrMapOvr>
     <a:masterClrMapping/>
@@ -5392,14 +6783,6 @@
 <file path=ppt/slides/slide9.xml><?xml version="1.0" encoding="utf-8"?>
 <p:sld xmlns:a="http://schemas.openxmlformats.org/drawingml/2006/main" xmlns:r="http://schemas.openxmlformats.org/officeDocument/2006/relationships" xmlns:p="http://schemas.openxmlformats.org/presentationml/2006/main">
   <p:cSld>
-    <p:bg>
-      <p:bgPr>
-        <a:solidFill>
-          <a:schemeClr val="bg1"/>
-        </a:solidFill>
-        <a:effectLst/>
-      </p:bgPr>
-    </p:bg>
     <p:spTree>
       <p:nvGrpSpPr>
         <p:cNvPr id="1" name=""/>
@@ -5414,66 +6797,42 @@
           <a:chExt cx="0" cy="0"/>
         </a:xfrm>
       </p:grpSpPr>
-      <p:sp>
-        <p:nvSpPr>
-          <p:cNvPr id="3" name="TextBox 2"/>
-          <p:cNvSpPr txBox="1"/>
+      <p:pic>
+        <p:nvPicPr>
+          <p:cNvPr id="3" name="Grafik 2">
+            <a:extLst>
+              <a:ext uri="{FF2B5EF4-FFF2-40B4-BE49-F238E27FC236}">
+                <a16:creationId xmlns:a16="http://schemas.microsoft.com/office/drawing/2014/main" id="{D38DBA7F-A787-4D66-8846-67E93151700B}"/>
+              </a:ext>
+            </a:extLst>
+          </p:cNvPr>
+          <p:cNvPicPr>
+            <a:picLocks noChangeAspect="1"/>
+          </p:cNvPicPr>
           <p:nvPr/>
-        </p:nvSpPr>
+        </p:nvPicPr>
+        <p:blipFill>
+          <a:blip r:embed="rId2"/>
+          <a:stretch>
+            <a:fillRect/>
+          </a:stretch>
+        </p:blipFill>
         <p:spPr>
           <a:xfrm>
-            <a:off x="539552" y="1052736"/>
-            <a:ext cx="7920880" cy="369332"/>
+            <a:off x="1615184" y="876079"/>
+            <a:ext cx="5913632" cy="5105842"/>
           </a:xfrm>
           <a:prstGeom prst="rect">
             <a:avLst/>
           </a:prstGeom>
-          <a:noFill/>
         </p:spPr>
-        <p:txBody>
-          <a:bodyPr wrap="square" rtlCol="0">
-            <a:spAutoFit/>
-          </a:bodyPr>
-          <a:lstStyle/>
-          <a:p>
-            <a:r>
-              <a:rPr lang="de-AT" dirty="0"/>
-              <a:t>Live Presentations</a:t>
-            </a:r>
-          </a:p>
-        </p:txBody>
-      </p:sp>
-      <p:sp>
-        <p:nvSpPr>
-          <p:cNvPr id="4" name="TextBox 3"/>
-          <p:cNvSpPr txBox="1"/>
-          <p:nvPr/>
-        </p:nvSpPr>
-        <p:spPr>
-          <a:xfrm>
-            <a:off x="611560" y="1916832"/>
-            <a:ext cx="7920880" cy="307777"/>
-          </a:xfrm>
-          <a:prstGeom prst="rect">
-            <a:avLst/>
-          </a:prstGeom>
-          <a:noFill/>
-        </p:spPr>
-        <p:txBody>
-          <a:bodyPr wrap="square" rtlCol="0">
-            <a:spAutoFit/>
-          </a:bodyPr>
-          <a:lstStyle/>
-          <a:p>
-            <a:r>
-              <a:rPr lang="de-AT" sz="1400" dirty="0" smtClean="0"/>
-              <a:t>Text text</a:t>
-            </a:r>
-            <a:endParaRPr lang="de-AT" sz="1400" dirty="0"/>
-          </a:p>
-        </p:txBody>
-      </p:sp>
+      </p:pic>
     </p:spTree>
+    <p:extLst>
+      <p:ext uri="{BB962C8B-B14F-4D97-AF65-F5344CB8AC3E}">
+        <p14:creationId xmlns:p14="http://schemas.microsoft.com/office/powerpoint/2010/main" val="3444067959"/>
+      </p:ext>
+    </p:extLst>
   </p:cSld>
   <p:clrMapOvr>
     <a:masterClrMapping/>
